--- a/ml-week-lectures/learning_tree.pptx
+++ b/ml-week-lectures/learning_tree.pptx
@@ -6,7 +6,7 @@
   </p:sldMasterIdLst>
   <p:sldIdLst>
     <p:sldId id="256" r:id="rId2"/>
-    <p:sldId id="257" r:id="rId3"/>
+    <p:sldId id="258" r:id="rId3"/>
   </p:sldIdLst>
   <p:sldSz cx="12192000" cy="6858000"/>
   <p:notesSz cx="6858000" cy="9144000"/>
@@ -105,6 +105,11 @@
       </a:defRPr>
     </a:lvl9pPr>
   </p:defaultTextStyle>
+  <p:extLst>
+    <p:ext uri="{EFAFB233-063F-42B5-8137-9DF3F51BA10A}">
+      <p15:sldGuideLst xmlns:p15="http://schemas.microsoft.com/office/powerpoint/2012/main"/>
+    </p:ext>
+  </p:extLst>
 </p:presentation>
 </file>
 
@@ -257,7 +262,7 @@
           <a:p>
             <a:fld id="{412E0E6D-8AA3-4C45-8C7F-DBFE568E3351}" type="datetimeFigureOut">
               <a:rPr lang="fr-FR" smtClean="0"/>
-              <a:t>16/11/2019</a:t>
+              <a:t>17/11/2019</a:t>
             </a:fld>
             <a:endParaRPr lang="fr-FR"/>
           </a:p>
@@ -457,7 +462,7 @@
           <a:p>
             <a:fld id="{412E0E6D-8AA3-4C45-8C7F-DBFE568E3351}" type="datetimeFigureOut">
               <a:rPr lang="fr-FR" smtClean="0"/>
-              <a:t>16/11/2019</a:t>
+              <a:t>17/11/2019</a:t>
             </a:fld>
             <a:endParaRPr lang="fr-FR"/>
           </a:p>
@@ -667,7 +672,7 @@
           <a:p>
             <a:fld id="{412E0E6D-8AA3-4C45-8C7F-DBFE568E3351}" type="datetimeFigureOut">
               <a:rPr lang="fr-FR" smtClean="0"/>
-              <a:t>16/11/2019</a:t>
+              <a:t>17/11/2019</a:t>
             </a:fld>
             <a:endParaRPr lang="fr-FR"/>
           </a:p>
@@ -867,7 +872,7 @@
           <a:p>
             <a:fld id="{412E0E6D-8AA3-4C45-8C7F-DBFE568E3351}" type="datetimeFigureOut">
               <a:rPr lang="fr-FR" smtClean="0"/>
-              <a:t>16/11/2019</a:t>
+              <a:t>17/11/2019</a:t>
             </a:fld>
             <a:endParaRPr lang="fr-FR"/>
           </a:p>
@@ -1143,7 +1148,7 @@
           <a:p>
             <a:fld id="{412E0E6D-8AA3-4C45-8C7F-DBFE568E3351}" type="datetimeFigureOut">
               <a:rPr lang="fr-FR" smtClean="0"/>
-              <a:t>16/11/2019</a:t>
+              <a:t>17/11/2019</a:t>
             </a:fld>
             <a:endParaRPr lang="fr-FR"/>
           </a:p>
@@ -1411,7 +1416,7 @@
           <a:p>
             <a:fld id="{412E0E6D-8AA3-4C45-8C7F-DBFE568E3351}" type="datetimeFigureOut">
               <a:rPr lang="fr-FR" smtClean="0"/>
-              <a:t>16/11/2019</a:t>
+              <a:t>17/11/2019</a:t>
             </a:fld>
             <a:endParaRPr lang="fr-FR"/>
           </a:p>
@@ -1826,7 +1831,7 @@
           <a:p>
             <a:fld id="{412E0E6D-8AA3-4C45-8C7F-DBFE568E3351}" type="datetimeFigureOut">
               <a:rPr lang="fr-FR" smtClean="0"/>
-              <a:t>16/11/2019</a:t>
+              <a:t>17/11/2019</a:t>
             </a:fld>
             <a:endParaRPr lang="fr-FR"/>
           </a:p>
@@ -1968,7 +1973,7 @@
           <a:p>
             <a:fld id="{412E0E6D-8AA3-4C45-8C7F-DBFE568E3351}" type="datetimeFigureOut">
               <a:rPr lang="fr-FR" smtClean="0"/>
-              <a:t>16/11/2019</a:t>
+              <a:t>17/11/2019</a:t>
             </a:fld>
             <a:endParaRPr lang="fr-FR"/>
           </a:p>
@@ -2081,7 +2086,7 @@
           <a:p>
             <a:fld id="{412E0E6D-8AA3-4C45-8C7F-DBFE568E3351}" type="datetimeFigureOut">
               <a:rPr lang="fr-FR" smtClean="0"/>
-              <a:t>16/11/2019</a:t>
+              <a:t>17/11/2019</a:t>
             </a:fld>
             <a:endParaRPr lang="fr-FR"/>
           </a:p>
@@ -2394,7 +2399,7 @@
           <a:p>
             <a:fld id="{412E0E6D-8AA3-4C45-8C7F-DBFE568E3351}" type="datetimeFigureOut">
               <a:rPr lang="fr-FR" smtClean="0"/>
-              <a:t>16/11/2019</a:t>
+              <a:t>17/11/2019</a:t>
             </a:fld>
             <a:endParaRPr lang="fr-FR"/>
           </a:p>
@@ -2683,7 +2688,7 @@
           <a:p>
             <a:fld id="{412E0E6D-8AA3-4C45-8C7F-DBFE568E3351}" type="datetimeFigureOut">
               <a:rPr lang="fr-FR" smtClean="0"/>
-              <a:t>16/11/2019</a:t>
+              <a:t>17/11/2019</a:t>
             </a:fld>
             <a:endParaRPr lang="fr-FR"/>
           </a:p>
@@ -2926,7 +2931,7 @@
           <a:p>
             <a:fld id="{412E0E6D-8AA3-4C45-8C7F-DBFE568E3351}" type="datetimeFigureOut">
               <a:rPr lang="fr-FR" smtClean="0"/>
-              <a:t>16/11/2019</a:t>
+              <a:t>17/11/2019</a:t>
             </a:fld>
             <a:endParaRPr lang="fr-FR"/>
           </a:p>
@@ -4662,7 +4667,7 @@
         </p:nvSpPr>
         <p:spPr>
           <a:xfrm>
-            <a:off x="2350876" y="4498034"/>
+            <a:off x="2586244" y="4512512"/>
             <a:ext cx="947225" cy="414924"/>
           </a:xfrm>
           <a:prstGeom prst="roundRect">
@@ -4788,7 +4793,7 @@
         </p:nvSpPr>
         <p:spPr>
           <a:xfrm>
-            <a:off x="1373925" y="5625881"/>
+            <a:off x="1026516" y="5823805"/>
             <a:ext cx="993813" cy="406924"/>
           </a:xfrm>
           <a:prstGeom prst="roundRect">
@@ -5213,9 +5218,9 @@
           <p:nvPr/>
         </p:nvCxnSpPr>
         <p:spPr>
-          <a:xfrm>
-            <a:off x="1870376" y="3798332"/>
-            <a:ext cx="456" cy="1827549"/>
+          <a:xfrm flipH="1">
+            <a:off x="1523423" y="3798332"/>
+            <a:ext cx="346953" cy="2025473"/>
           </a:xfrm>
           <a:prstGeom prst="straightConnector1">
             <a:avLst/>
@@ -5260,7 +5265,7 @@
         <p:spPr>
           <a:xfrm>
             <a:off x="1870376" y="3798332"/>
-            <a:ext cx="954113" cy="699702"/>
+            <a:ext cx="1189481" cy="714180"/>
           </a:xfrm>
           <a:prstGeom prst="straightConnector1">
             <a:avLst/>
@@ -5304,8 +5309,8 @@
         </p:nvCxnSpPr>
         <p:spPr>
           <a:xfrm flipH="1">
-            <a:off x="2824489" y="3798332"/>
-            <a:ext cx="1977657" cy="699702"/>
+            <a:off x="3059857" y="3798332"/>
+            <a:ext cx="1742289" cy="714180"/>
           </a:xfrm>
           <a:prstGeom prst="straightConnector1">
             <a:avLst/>
@@ -5666,6 +5671,115 @@
           <a:xfrm>
             <a:off x="10576551" y="3936831"/>
             <a:ext cx="1182794" cy="671214"/>
+          </a:xfrm>
+          <a:prstGeom prst="straightConnector1">
+            <a:avLst/>
+          </a:prstGeom>
+          <a:ln w="38100">
+            <a:solidFill>
+              <a:schemeClr val="tx1"/>
+            </a:solidFill>
+            <a:tailEnd type="triangle"/>
+          </a:ln>
+        </p:spPr>
+        <p:style>
+          <a:lnRef idx="1">
+            <a:schemeClr val="accent1"/>
+          </a:lnRef>
+          <a:fillRef idx="0">
+            <a:schemeClr val="accent1"/>
+          </a:fillRef>
+          <a:effectRef idx="0">
+            <a:schemeClr val="accent1"/>
+          </a:effectRef>
+          <a:fontRef idx="minor">
+            <a:schemeClr val="tx1"/>
+          </a:fontRef>
+        </p:style>
+      </p:cxnSp>
+      <p:sp>
+        <p:nvSpPr>
+          <p:cNvPr id="51" name="Rounded Rectangle 50">
+            <a:extLst>
+              <a:ext uri="{FF2B5EF4-FFF2-40B4-BE49-F238E27FC236}">
+                <a16:creationId xmlns:a16="http://schemas.microsoft.com/office/drawing/2014/main" id="{3197321E-6F7D-DF41-A6B6-5D56EA22F306}"/>
+              </a:ext>
+            </a:extLst>
+          </p:cNvPr>
+          <p:cNvSpPr/>
+          <p:nvPr/>
+        </p:nvSpPr>
+        <p:spPr>
+          <a:xfrm>
+            <a:off x="2166817" y="5890269"/>
+            <a:ext cx="1325773" cy="756389"/>
+          </a:xfrm>
+          <a:prstGeom prst="roundRect">
+            <a:avLst/>
+          </a:prstGeom>
+          <a:noFill/>
+          <a:ln w="38100">
+            <a:solidFill>
+              <a:schemeClr val="accent6">
+                <a:lumMod val="75000"/>
+              </a:schemeClr>
+            </a:solidFill>
+          </a:ln>
+        </p:spPr>
+        <p:style>
+          <a:lnRef idx="2">
+            <a:schemeClr val="accent1">
+              <a:shade val="50000"/>
+            </a:schemeClr>
+          </a:lnRef>
+          <a:fillRef idx="1">
+            <a:schemeClr val="accent1"/>
+          </a:fillRef>
+          <a:effectRef idx="0">
+            <a:schemeClr val="accent1"/>
+          </a:effectRef>
+          <a:fontRef idx="minor">
+            <a:schemeClr val="lt1"/>
+          </a:fontRef>
+        </p:style>
+        <p:txBody>
+          <a:bodyPr rtlCol="0" anchor="ctr"/>
+          <a:lstStyle/>
+          <a:p>
+            <a:pPr algn="ctr"/>
+            <a:r>
+              <a:rPr lang="en-US" b="1" dirty="0">
+                <a:solidFill>
+                  <a:schemeClr val="accent6">
+                    <a:lumMod val="50000"/>
+                  </a:schemeClr>
+                </a:solidFill>
+              </a:rPr>
+              <a:t>Ridge Regression</a:t>
+            </a:r>
+          </a:p>
+        </p:txBody>
+      </p:sp>
+      <p:cxnSp>
+        <p:nvCxnSpPr>
+          <p:cNvPr id="53" name="Straight Arrow Connector 52">
+            <a:extLst>
+              <a:ext uri="{FF2B5EF4-FFF2-40B4-BE49-F238E27FC236}">
+                <a16:creationId xmlns:a16="http://schemas.microsoft.com/office/drawing/2014/main" id="{CF8002D1-7246-6242-87BC-D0D9E90017CC}"/>
+              </a:ext>
+            </a:extLst>
+          </p:cNvPr>
+          <p:cNvCxnSpPr>
+            <a:cxnSpLocks/>
+            <a:stCxn id="13" idx="2"/>
+            <a:endCxn id="51" idx="0"/>
+          </p:cNvCxnSpPr>
+          <p:nvPr/>
+        </p:nvCxnSpPr>
+        <p:spPr>
+          <a:xfrm>
+            <a:off x="1870376" y="3798332"/>
+            <a:ext cx="959328" cy="2091937"/>
           </a:xfrm>
           <a:prstGeom prst="straightConnector1">
             <a:avLst/>
@@ -5991,10 +6105,10 @@
       </p:cxnSp>
       <p:sp>
         <p:nvSpPr>
-          <p:cNvPr id="13" name="TextBox 12">
-            <a:extLst>
-              <a:ext uri="{FF2B5EF4-FFF2-40B4-BE49-F238E27FC236}">
-                <a16:creationId xmlns:a16="http://schemas.microsoft.com/office/drawing/2014/main" id="{C9F63508-7A66-4245-ADE3-803ADC486FC3}"/>
+          <p:cNvPr id="12" name="TextBox 11">
+            <a:extLst>
+              <a:ext uri="{FF2B5EF4-FFF2-40B4-BE49-F238E27FC236}">
+                <a16:creationId xmlns:a16="http://schemas.microsoft.com/office/drawing/2014/main" id="{698690FD-6A17-BD4C-A789-658F2E1952A7}"/>
               </a:ext>
             </a:extLst>
           </p:cNvPr>
@@ -6003,8 +6117,8 @@
         </p:nvSpPr>
         <p:spPr>
           <a:xfrm>
-            <a:off x="1012869" y="3429000"/>
-            <a:ext cx="1715014" cy="369332"/>
+            <a:off x="3828278" y="3429000"/>
+            <a:ext cx="1947735" cy="369332"/>
           </a:xfrm>
           <a:prstGeom prst="rect">
             <a:avLst/>
@@ -6046,11 +6160,121 @@
             <a:pPr algn="ctr"/>
             <a:r>
               <a:rPr lang="en-US" dirty="0"/>
+              <a:t>Classification</a:t>
+            </a:r>
+          </a:p>
+        </p:txBody>
+      </p:sp>
+      <p:sp>
+        <p:nvSpPr>
+          <p:cNvPr id="13" name="TextBox 12">
+            <a:extLst>
+              <a:ext uri="{FF2B5EF4-FFF2-40B4-BE49-F238E27FC236}">
+                <a16:creationId xmlns:a16="http://schemas.microsoft.com/office/drawing/2014/main" id="{C9F63508-7A66-4245-ADE3-803ADC486FC3}"/>
+              </a:ext>
+            </a:extLst>
+          </p:cNvPr>
+          <p:cNvSpPr txBox="1"/>
+          <p:nvPr/>
+        </p:nvSpPr>
+        <p:spPr>
+          <a:xfrm>
+            <a:off x="1012869" y="3429000"/>
+            <a:ext cx="1715014" cy="369332"/>
+          </a:xfrm>
+          <a:prstGeom prst="rect">
+            <a:avLst/>
+          </a:prstGeom>
+          <a:solidFill>
+            <a:schemeClr val="accent2">
+              <a:lumMod val="40000"/>
+              <a:lumOff val="60000"/>
+            </a:schemeClr>
+          </a:solidFill>
+          <a:ln w="38100">
+            <a:solidFill>
+              <a:schemeClr val="accent2">
+                <a:lumMod val="50000"/>
+              </a:schemeClr>
+            </a:solidFill>
+          </a:ln>
+        </p:spPr>
+        <p:style>
+          <a:lnRef idx="2">
+            <a:schemeClr val="accent1"/>
+          </a:lnRef>
+          <a:fillRef idx="1">
+            <a:schemeClr val="lt1"/>
+          </a:fillRef>
+          <a:effectRef idx="0">
+            <a:schemeClr val="accent1"/>
+          </a:effectRef>
+          <a:fontRef idx="minor">
+            <a:schemeClr val="dk1"/>
+          </a:fontRef>
+        </p:style>
+        <p:txBody>
+          <a:bodyPr wrap="square" rtlCol="0">
+            <a:spAutoFit/>
+          </a:bodyPr>
+          <a:lstStyle/>
+          <a:p>
+            <a:pPr algn="ctr"/>
+            <a:r>
+              <a:rPr lang="en-US" dirty="0"/>
               <a:t>Regression</a:t>
             </a:r>
           </a:p>
         </p:txBody>
       </p:sp>
+      <p:cxnSp>
+        <p:nvCxnSpPr>
+          <p:cNvPr id="15" name="Elbow Connector 14">
+            <a:extLst>
+              <a:ext uri="{FF2B5EF4-FFF2-40B4-BE49-F238E27FC236}">
+                <a16:creationId xmlns:a16="http://schemas.microsoft.com/office/drawing/2014/main" id="{E0174620-FA5A-C74C-8B78-6F48E2862BE6}"/>
+              </a:ext>
+            </a:extLst>
+          </p:cNvPr>
+          <p:cNvCxnSpPr>
+            <a:cxnSpLocks/>
+            <a:stCxn id="7" idx="2"/>
+            <a:endCxn id="12" idx="0"/>
+          </p:cNvCxnSpPr>
+          <p:nvPr/>
+        </p:nvCxnSpPr>
+        <p:spPr>
+          <a:xfrm rot="16200000" flipH="1">
+            <a:off x="3722474" y="2349327"/>
+            <a:ext cx="699701" cy="1459644"/>
+          </a:xfrm>
+          <a:prstGeom prst="bentConnector3">
+            <a:avLst>
+              <a:gd name="adj1" fmla="val 50000"/>
+            </a:avLst>
+          </a:prstGeom>
+          <a:ln w="38100">
+            <a:solidFill>
+              <a:schemeClr val="tx1"/>
+            </a:solidFill>
+            <a:tailEnd type="triangle"/>
+          </a:ln>
+        </p:spPr>
+        <p:style>
+          <a:lnRef idx="1">
+            <a:schemeClr val="accent1"/>
+          </a:lnRef>
+          <a:fillRef idx="0">
+            <a:schemeClr val="accent1"/>
+          </a:fillRef>
+          <a:effectRef idx="0">
+            <a:schemeClr val="accent1"/>
+          </a:effectRef>
+          <a:fontRef idx="minor">
+            <a:schemeClr val="tx1"/>
+          </a:fontRef>
+        </p:style>
+      </p:cxnSp>
       <p:cxnSp>
         <p:nvCxnSpPr>
           <p:cNvPr id="25" name="Straight Connector 24">
@@ -6302,10 +6526,47 @@
       </p:sp>
       <p:sp>
         <p:nvSpPr>
-          <p:cNvPr id="59" name="Rounded Rectangle 58">
-            <a:extLst>
-              <a:ext uri="{FF2B5EF4-FFF2-40B4-BE49-F238E27FC236}">
-                <a16:creationId xmlns:a16="http://schemas.microsoft.com/office/drawing/2014/main" id="{82AAB0E2-BB8A-7F4D-8CA0-0D1196336BA6}"/>
+          <p:cNvPr id="48" name="TextBox 47">
+            <a:extLst>
+              <a:ext uri="{FF2B5EF4-FFF2-40B4-BE49-F238E27FC236}">
+                <a16:creationId xmlns:a16="http://schemas.microsoft.com/office/drawing/2014/main" id="{4CB6C1FA-EE03-034B-A7CF-5DCAD3774325}"/>
+              </a:ext>
+            </a:extLst>
+          </p:cNvPr>
+          <p:cNvSpPr txBox="1"/>
+          <p:nvPr/>
+        </p:nvSpPr>
+        <p:spPr>
+          <a:xfrm>
+            <a:off x="3298101" y="2765510"/>
+            <a:ext cx="1472126" cy="338554"/>
+          </a:xfrm>
+          <a:prstGeom prst="rect">
+            <a:avLst/>
+          </a:prstGeom>
+          <a:noFill/>
+        </p:spPr>
+        <p:txBody>
+          <a:bodyPr wrap="square" rtlCol="0">
+            <a:spAutoFit/>
+          </a:bodyPr>
+          <a:lstStyle/>
+          <a:p>
+            <a:pPr algn="ctr"/>
+            <a:r>
+              <a:rPr lang="en-US" sz="1600" dirty="0"/>
+              <a:t>Category</a:t>
+            </a:r>
+            <a:endParaRPr lang="en-US" dirty="0"/>
+          </a:p>
+        </p:txBody>
+      </p:sp>
+      <p:sp>
+        <p:nvSpPr>
+          <p:cNvPr id="56" name="Rounded Rectangle 55">
+            <a:extLst>
+              <a:ext uri="{FF2B5EF4-FFF2-40B4-BE49-F238E27FC236}">
+                <a16:creationId xmlns:a16="http://schemas.microsoft.com/office/drawing/2014/main" id="{5BA41299-C966-D543-B050-371D1BA5090B}"/>
               </a:ext>
             </a:extLst>
           </p:cNvPr>
@@ -6314,8 +6575,8 @@
         </p:nvSpPr>
         <p:spPr>
           <a:xfrm>
-            <a:off x="164631" y="4849796"/>
-            <a:ext cx="1325773" cy="559612"/>
+            <a:off x="3078510" y="5255376"/>
+            <a:ext cx="993814" cy="425192"/>
           </a:xfrm>
           <a:prstGeom prst="roundRect">
             <a:avLst/>
@@ -6358,7 +6619,196 @@
                   </a:schemeClr>
                 </a:solidFill>
               </a:rPr>
+              <a:t>KNN</a:t>
+            </a:r>
+          </a:p>
+        </p:txBody>
+      </p:sp>
+      <p:sp>
+        <p:nvSpPr>
+          <p:cNvPr id="57" name="Rounded Rectangle 56">
+            <a:extLst>
+              <a:ext uri="{FF2B5EF4-FFF2-40B4-BE49-F238E27FC236}">
+                <a16:creationId xmlns:a16="http://schemas.microsoft.com/office/drawing/2014/main" id="{358681B3-4EB7-BF44-9FBD-0C182091A694}"/>
+              </a:ext>
+            </a:extLst>
+          </p:cNvPr>
+          <p:cNvSpPr/>
+          <p:nvPr/>
+        </p:nvSpPr>
+        <p:spPr>
+          <a:xfrm>
+            <a:off x="4238628" y="5264193"/>
+            <a:ext cx="1325773" cy="559612"/>
+          </a:xfrm>
+          <a:prstGeom prst="roundRect">
+            <a:avLst/>
+          </a:prstGeom>
+          <a:noFill/>
+          <a:ln w="38100">
+            <a:solidFill>
+              <a:schemeClr val="accent6">
+                <a:lumMod val="75000"/>
+              </a:schemeClr>
+            </a:solidFill>
+          </a:ln>
+        </p:spPr>
+        <p:style>
+          <a:lnRef idx="2">
+            <a:schemeClr val="accent1">
+              <a:shade val="50000"/>
+            </a:schemeClr>
+          </a:lnRef>
+          <a:fillRef idx="1">
+            <a:schemeClr val="accent1"/>
+          </a:fillRef>
+          <a:effectRef idx="0">
+            <a:schemeClr val="accent1"/>
+          </a:effectRef>
+          <a:fontRef idx="minor">
+            <a:schemeClr val="lt1"/>
+          </a:fontRef>
+        </p:style>
+        <p:txBody>
+          <a:bodyPr rtlCol="0" anchor="ctr"/>
+          <a:lstStyle/>
+          <a:p>
+            <a:pPr algn="ctr"/>
+            <a:r>
+              <a:rPr lang="en-US" b="1" dirty="0">
+                <a:solidFill>
+                  <a:schemeClr val="accent6">
+                    <a:lumMod val="50000"/>
+                  </a:schemeClr>
+                </a:solidFill>
+              </a:rPr>
+              <a:t>Logistic Regression</a:t>
+            </a:r>
+          </a:p>
+        </p:txBody>
+      </p:sp>
+      <p:sp>
+        <p:nvSpPr>
+          <p:cNvPr id="59" name="Rounded Rectangle 58">
+            <a:extLst>
+              <a:ext uri="{FF2B5EF4-FFF2-40B4-BE49-F238E27FC236}">
+                <a16:creationId xmlns:a16="http://schemas.microsoft.com/office/drawing/2014/main" id="{82AAB0E2-BB8A-7F4D-8CA0-0D1196336BA6}"/>
+              </a:ext>
+            </a:extLst>
+          </p:cNvPr>
+          <p:cNvSpPr/>
+          <p:nvPr/>
+        </p:nvSpPr>
+        <p:spPr>
+          <a:xfrm>
+            <a:off x="164631" y="4849796"/>
+            <a:ext cx="1325773" cy="559612"/>
+          </a:xfrm>
+          <a:prstGeom prst="roundRect">
+            <a:avLst/>
+          </a:prstGeom>
+          <a:noFill/>
+          <a:ln w="38100">
+            <a:solidFill>
+              <a:schemeClr val="accent6">
+                <a:lumMod val="75000"/>
+              </a:schemeClr>
+            </a:solidFill>
+          </a:ln>
+        </p:spPr>
+        <p:style>
+          <a:lnRef idx="2">
+            <a:schemeClr val="accent1">
+              <a:shade val="50000"/>
+            </a:schemeClr>
+          </a:lnRef>
+          <a:fillRef idx="1">
+            <a:schemeClr val="accent1"/>
+          </a:fillRef>
+          <a:effectRef idx="0">
+            <a:schemeClr val="accent1"/>
+          </a:effectRef>
+          <a:fontRef idx="minor">
+            <a:schemeClr val="lt1"/>
+          </a:fontRef>
+        </p:style>
+        <p:txBody>
+          <a:bodyPr rtlCol="0" anchor="ctr"/>
+          <a:lstStyle/>
+          <a:p>
+            <a:pPr algn="ctr"/>
+            <a:r>
+              <a:rPr lang="en-US" b="1" dirty="0">
+                <a:solidFill>
+                  <a:schemeClr val="accent6">
+                    <a:lumMod val="50000"/>
+                  </a:schemeClr>
+                </a:solidFill>
+              </a:rPr>
               <a:t>Linear Regression</a:t>
+            </a:r>
+          </a:p>
+        </p:txBody>
+      </p:sp>
+      <p:sp>
+        <p:nvSpPr>
+          <p:cNvPr id="60" name="Rounded Rectangle 59">
+            <a:extLst>
+              <a:ext uri="{FF2B5EF4-FFF2-40B4-BE49-F238E27FC236}">
+                <a16:creationId xmlns:a16="http://schemas.microsoft.com/office/drawing/2014/main" id="{5F3E4682-9849-A84A-8DF2-ED143F603F1C}"/>
+              </a:ext>
+            </a:extLst>
+          </p:cNvPr>
+          <p:cNvSpPr/>
+          <p:nvPr/>
+        </p:nvSpPr>
+        <p:spPr>
+          <a:xfrm>
+            <a:off x="1026516" y="5823805"/>
+            <a:ext cx="993813" cy="406924"/>
+          </a:xfrm>
+          <a:prstGeom prst="roundRect">
+            <a:avLst/>
+          </a:prstGeom>
+          <a:noFill/>
+          <a:ln w="38100">
+            <a:solidFill>
+              <a:schemeClr val="accent6">
+                <a:lumMod val="75000"/>
+              </a:schemeClr>
+            </a:solidFill>
+          </a:ln>
+        </p:spPr>
+        <p:style>
+          <a:lnRef idx="2">
+            <a:schemeClr val="accent1">
+              <a:shade val="50000"/>
+            </a:schemeClr>
+          </a:lnRef>
+          <a:fillRef idx="1">
+            <a:schemeClr val="accent1"/>
+          </a:fillRef>
+          <a:effectRef idx="0">
+            <a:schemeClr val="accent1"/>
+          </a:effectRef>
+          <a:fontRef idx="minor">
+            <a:schemeClr val="lt1"/>
+          </a:fontRef>
+        </p:style>
+        <p:txBody>
+          <a:bodyPr rtlCol="0" anchor="ctr"/>
+          <a:lstStyle/>
+          <a:p>
+            <a:pPr algn="ctr"/>
+            <a:r>
+              <a:rPr lang="en-US" b="1" dirty="0">
+                <a:solidFill>
+                  <a:schemeClr val="accent6">
+                    <a:lumMod val="50000"/>
+                  </a:schemeClr>
+                </a:solidFill>
+              </a:rPr>
+              <a:t>LASSO</a:t>
             </a:r>
           </a:p>
         </p:txBody>
@@ -6382,6 +6832,250 @@
           <a:xfrm flipH="1">
             <a:off x="827518" y="3798332"/>
             <a:ext cx="1042858" cy="1051464"/>
+          </a:xfrm>
+          <a:prstGeom prst="straightConnector1">
+            <a:avLst/>
+          </a:prstGeom>
+          <a:ln w="38100">
+            <a:solidFill>
+              <a:schemeClr val="tx1"/>
+            </a:solidFill>
+            <a:tailEnd type="triangle"/>
+          </a:ln>
+        </p:spPr>
+        <p:style>
+          <a:lnRef idx="1">
+            <a:schemeClr val="accent1"/>
+          </a:lnRef>
+          <a:fillRef idx="0">
+            <a:schemeClr val="accent1"/>
+          </a:fillRef>
+          <a:effectRef idx="0">
+            <a:schemeClr val="accent1"/>
+          </a:effectRef>
+          <a:fontRef idx="minor">
+            <a:schemeClr val="tx1"/>
+          </a:fontRef>
+        </p:style>
+      </p:cxnSp>
+      <p:cxnSp>
+        <p:nvCxnSpPr>
+          <p:cNvPr id="71" name="Straight Arrow Connector 70">
+            <a:extLst>
+              <a:ext uri="{FF2B5EF4-FFF2-40B4-BE49-F238E27FC236}">
+                <a16:creationId xmlns:a16="http://schemas.microsoft.com/office/drawing/2014/main" id="{6BD223BB-2486-4247-B406-0880EC47A3D9}"/>
+              </a:ext>
+            </a:extLst>
+          </p:cNvPr>
+          <p:cNvCxnSpPr>
+            <a:stCxn id="13" idx="2"/>
+            <a:endCxn id="60" idx="0"/>
+          </p:cNvCxnSpPr>
+          <p:nvPr/>
+        </p:nvCxnSpPr>
+        <p:spPr>
+          <a:xfrm flipH="1">
+            <a:off x="1523423" y="3798332"/>
+            <a:ext cx="346953" cy="2025473"/>
+          </a:xfrm>
+          <a:prstGeom prst="straightConnector1">
+            <a:avLst/>
+          </a:prstGeom>
+          <a:ln w="38100">
+            <a:solidFill>
+              <a:schemeClr val="tx1"/>
+            </a:solidFill>
+            <a:tailEnd type="triangle"/>
+          </a:ln>
+        </p:spPr>
+        <p:style>
+          <a:lnRef idx="1">
+            <a:schemeClr val="accent1"/>
+          </a:lnRef>
+          <a:fillRef idx="0">
+            <a:schemeClr val="accent1"/>
+          </a:fillRef>
+          <a:effectRef idx="0">
+            <a:schemeClr val="accent1"/>
+          </a:effectRef>
+          <a:fontRef idx="minor">
+            <a:schemeClr val="tx1"/>
+          </a:fontRef>
+        </p:style>
+      </p:cxnSp>
+      <p:cxnSp>
+        <p:nvCxnSpPr>
+          <p:cNvPr id="77" name="Straight Arrow Connector 76">
+            <a:extLst>
+              <a:ext uri="{FF2B5EF4-FFF2-40B4-BE49-F238E27FC236}">
+                <a16:creationId xmlns:a16="http://schemas.microsoft.com/office/drawing/2014/main" id="{E85198A7-8060-EB44-9561-DF83F369E4B5}"/>
+              </a:ext>
+            </a:extLst>
+          </p:cNvPr>
+          <p:cNvCxnSpPr>
+            <a:stCxn id="12" idx="2"/>
+            <a:endCxn id="56" idx="0"/>
+          </p:cNvCxnSpPr>
+          <p:nvPr/>
+        </p:nvCxnSpPr>
+        <p:spPr>
+          <a:xfrm flipH="1">
+            <a:off x="3575417" y="3798332"/>
+            <a:ext cx="1226729" cy="1457044"/>
+          </a:xfrm>
+          <a:prstGeom prst="straightConnector1">
+            <a:avLst/>
+          </a:prstGeom>
+          <a:ln w="38100">
+            <a:solidFill>
+              <a:schemeClr val="tx1"/>
+            </a:solidFill>
+            <a:tailEnd type="triangle"/>
+          </a:ln>
+        </p:spPr>
+        <p:style>
+          <a:lnRef idx="1">
+            <a:schemeClr val="accent1"/>
+          </a:lnRef>
+          <a:fillRef idx="0">
+            <a:schemeClr val="accent1"/>
+          </a:fillRef>
+          <a:effectRef idx="0">
+            <a:schemeClr val="accent1"/>
+          </a:effectRef>
+          <a:fontRef idx="minor">
+            <a:schemeClr val="tx1"/>
+          </a:fontRef>
+        </p:style>
+      </p:cxnSp>
+      <p:cxnSp>
+        <p:nvCxnSpPr>
+          <p:cNvPr id="81" name="Straight Arrow Connector 80">
+            <a:extLst>
+              <a:ext uri="{FF2B5EF4-FFF2-40B4-BE49-F238E27FC236}">
+                <a16:creationId xmlns:a16="http://schemas.microsoft.com/office/drawing/2014/main" id="{A51BCBEA-89F2-0E43-A436-5E42388A91D9}"/>
+              </a:ext>
+            </a:extLst>
+          </p:cNvPr>
+          <p:cNvCxnSpPr>
+            <a:stCxn id="12" idx="2"/>
+            <a:endCxn id="57" idx="0"/>
+          </p:cNvCxnSpPr>
+          <p:nvPr/>
+        </p:nvCxnSpPr>
+        <p:spPr>
+          <a:xfrm>
+            <a:off x="4802146" y="3798332"/>
+            <a:ext cx="99369" cy="1465861"/>
+          </a:xfrm>
+          <a:prstGeom prst="straightConnector1">
+            <a:avLst/>
+          </a:prstGeom>
+          <a:ln w="38100">
+            <a:solidFill>
+              <a:schemeClr val="tx1"/>
+            </a:solidFill>
+            <a:tailEnd type="triangle"/>
+          </a:ln>
+        </p:spPr>
+        <p:style>
+          <a:lnRef idx="1">
+            <a:schemeClr val="accent1"/>
+          </a:lnRef>
+          <a:fillRef idx="0">
+            <a:schemeClr val="accent1"/>
+          </a:fillRef>
+          <a:effectRef idx="0">
+            <a:schemeClr val="accent1"/>
+          </a:effectRef>
+          <a:fontRef idx="minor">
+            <a:schemeClr val="tx1"/>
+          </a:fontRef>
+        </p:style>
+      </p:cxnSp>
+      <p:sp>
+        <p:nvSpPr>
+          <p:cNvPr id="51" name="Rounded Rectangle 50">
+            <a:extLst>
+              <a:ext uri="{FF2B5EF4-FFF2-40B4-BE49-F238E27FC236}">
+                <a16:creationId xmlns:a16="http://schemas.microsoft.com/office/drawing/2014/main" id="{3197321E-6F7D-DF41-A6B6-5D56EA22F306}"/>
+              </a:ext>
+            </a:extLst>
+          </p:cNvPr>
+          <p:cNvSpPr/>
+          <p:nvPr/>
+        </p:nvSpPr>
+        <p:spPr>
+          <a:xfrm>
+            <a:off x="2166817" y="5890269"/>
+            <a:ext cx="1325773" cy="756389"/>
+          </a:xfrm>
+          <a:prstGeom prst="roundRect">
+            <a:avLst/>
+          </a:prstGeom>
+          <a:noFill/>
+          <a:ln w="38100">
+            <a:solidFill>
+              <a:schemeClr val="accent6">
+                <a:lumMod val="75000"/>
+              </a:schemeClr>
+            </a:solidFill>
+          </a:ln>
+        </p:spPr>
+        <p:style>
+          <a:lnRef idx="2">
+            <a:schemeClr val="accent1">
+              <a:shade val="50000"/>
+            </a:schemeClr>
+          </a:lnRef>
+          <a:fillRef idx="1">
+            <a:schemeClr val="accent1"/>
+          </a:fillRef>
+          <a:effectRef idx="0">
+            <a:schemeClr val="accent1"/>
+          </a:effectRef>
+          <a:fontRef idx="minor">
+            <a:schemeClr val="lt1"/>
+          </a:fontRef>
+        </p:style>
+        <p:txBody>
+          <a:bodyPr rtlCol="0" anchor="ctr"/>
+          <a:lstStyle/>
+          <a:p>
+            <a:pPr algn="ctr"/>
+            <a:r>
+              <a:rPr lang="en-US" b="1" dirty="0">
+                <a:solidFill>
+                  <a:schemeClr val="accent6">
+                    <a:lumMod val="50000"/>
+                  </a:schemeClr>
+                </a:solidFill>
+              </a:rPr>
+              <a:t>Ridge Regression</a:t>
+            </a:r>
+          </a:p>
+        </p:txBody>
+      </p:sp>
+      <p:cxnSp>
+        <p:nvCxnSpPr>
+          <p:cNvPr id="53" name="Straight Arrow Connector 52">
+            <a:extLst>
+              <a:ext uri="{FF2B5EF4-FFF2-40B4-BE49-F238E27FC236}">
+                <a16:creationId xmlns:a16="http://schemas.microsoft.com/office/drawing/2014/main" id="{CF8002D1-7246-6242-87BC-D0D9E90017CC}"/>
+              </a:ext>
+            </a:extLst>
+          </p:cNvPr>
+          <p:cNvCxnSpPr>
+            <a:cxnSpLocks/>
+            <a:stCxn id="13" idx="2"/>
+            <a:endCxn id="51" idx="0"/>
+          </p:cNvCxnSpPr>
+          <p:nvPr/>
+        </p:nvCxnSpPr>
+        <p:spPr>
+          <a:xfrm>
+            <a:off x="1870376" y="3798332"/>
+            <a:ext cx="959328" cy="2091937"/>
           </a:xfrm>
           <a:prstGeom prst="straightConnector1">
             <a:avLst/>
@@ -6411,7 +7105,7 @@
     </p:spTree>
     <p:extLst>
       <p:ext uri="{BB962C8B-B14F-4D97-AF65-F5344CB8AC3E}">
-        <p14:creationId xmlns:p14="http://schemas.microsoft.com/office/powerpoint/2010/main" val="3885847686"/>
+        <p14:creationId xmlns:p14="http://schemas.microsoft.com/office/powerpoint/2010/main" val="268294857"/>
       </p:ext>
     </p:extLst>
   </p:cSld>

--- a/ml-week-lectures/learning_tree.pptx
+++ b/ml-week-lectures/learning_tree.pptx
@@ -6,7 +6,8 @@
   </p:sldMasterIdLst>
   <p:sldIdLst>
     <p:sldId id="256" r:id="rId2"/>
-    <p:sldId id="258" r:id="rId3"/>
+    <p:sldId id="257" r:id="rId3"/>
+    <p:sldId id="258" r:id="rId4"/>
   </p:sldIdLst>
   <p:sldSz cx="12192000" cy="6858000"/>
   <p:notesSz cx="6858000" cy="9144000"/>
@@ -262,7 +263,7 @@
           <a:p>
             <a:fld id="{412E0E6D-8AA3-4C45-8C7F-DBFE568E3351}" type="datetimeFigureOut">
               <a:rPr lang="fr-FR" smtClean="0"/>
-              <a:t>17/11/2019</a:t>
+              <a:t>18/11/2019</a:t>
             </a:fld>
             <a:endParaRPr lang="fr-FR"/>
           </a:p>
@@ -462,7 +463,7 @@
           <a:p>
             <a:fld id="{412E0E6D-8AA3-4C45-8C7F-DBFE568E3351}" type="datetimeFigureOut">
               <a:rPr lang="fr-FR" smtClean="0"/>
-              <a:t>17/11/2019</a:t>
+              <a:t>18/11/2019</a:t>
             </a:fld>
             <a:endParaRPr lang="fr-FR"/>
           </a:p>
@@ -672,7 +673,7 @@
           <a:p>
             <a:fld id="{412E0E6D-8AA3-4C45-8C7F-DBFE568E3351}" type="datetimeFigureOut">
               <a:rPr lang="fr-FR" smtClean="0"/>
-              <a:t>17/11/2019</a:t>
+              <a:t>18/11/2019</a:t>
             </a:fld>
             <a:endParaRPr lang="fr-FR"/>
           </a:p>
@@ -872,7 +873,7 @@
           <a:p>
             <a:fld id="{412E0E6D-8AA3-4C45-8C7F-DBFE568E3351}" type="datetimeFigureOut">
               <a:rPr lang="fr-FR" smtClean="0"/>
-              <a:t>17/11/2019</a:t>
+              <a:t>18/11/2019</a:t>
             </a:fld>
             <a:endParaRPr lang="fr-FR"/>
           </a:p>
@@ -1148,7 +1149,7 @@
           <a:p>
             <a:fld id="{412E0E6D-8AA3-4C45-8C7F-DBFE568E3351}" type="datetimeFigureOut">
               <a:rPr lang="fr-FR" smtClean="0"/>
-              <a:t>17/11/2019</a:t>
+              <a:t>18/11/2019</a:t>
             </a:fld>
             <a:endParaRPr lang="fr-FR"/>
           </a:p>
@@ -1416,7 +1417,7 @@
           <a:p>
             <a:fld id="{412E0E6D-8AA3-4C45-8C7F-DBFE568E3351}" type="datetimeFigureOut">
               <a:rPr lang="fr-FR" smtClean="0"/>
-              <a:t>17/11/2019</a:t>
+              <a:t>18/11/2019</a:t>
             </a:fld>
             <a:endParaRPr lang="fr-FR"/>
           </a:p>
@@ -1831,7 +1832,7 @@
           <a:p>
             <a:fld id="{412E0E6D-8AA3-4C45-8C7F-DBFE568E3351}" type="datetimeFigureOut">
               <a:rPr lang="fr-FR" smtClean="0"/>
-              <a:t>17/11/2019</a:t>
+              <a:t>18/11/2019</a:t>
             </a:fld>
             <a:endParaRPr lang="fr-FR"/>
           </a:p>
@@ -1973,7 +1974,7 @@
           <a:p>
             <a:fld id="{412E0E6D-8AA3-4C45-8C7F-DBFE568E3351}" type="datetimeFigureOut">
               <a:rPr lang="fr-FR" smtClean="0"/>
-              <a:t>17/11/2019</a:t>
+              <a:t>18/11/2019</a:t>
             </a:fld>
             <a:endParaRPr lang="fr-FR"/>
           </a:p>
@@ -2086,7 +2087,7 @@
           <a:p>
             <a:fld id="{412E0E6D-8AA3-4C45-8C7F-DBFE568E3351}" type="datetimeFigureOut">
               <a:rPr lang="fr-FR" smtClean="0"/>
-              <a:t>17/11/2019</a:t>
+              <a:t>18/11/2019</a:t>
             </a:fld>
             <a:endParaRPr lang="fr-FR"/>
           </a:p>
@@ -2399,7 +2400,7 @@
           <a:p>
             <a:fld id="{412E0E6D-8AA3-4C45-8C7F-DBFE568E3351}" type="datetimeFigureOut">
               <a:rPr lang="fr-FR" smtClean="0"/>
-              <a:t>17/11/2019</a:t>
+              <a:t>18/11/2019</a:t>
             </a:fld>
             <a:endParaRPr lang="fr-FR"/>
           </a:p>
@@ -2688,7 +2689,7 @@
           <a:p>
             <a:fld id="{412E0E6D-8AA3-4C45-8C7F-DBFE568E3351}" type="datetimeFigureOut">
               <a:rPr lang="fr-FR" smtClean="0"/>
-              <a:t>17/11/2019</a:t>
+              <a:t>18/11/2019</a:t>
             </a:fld>
             <a:endParaRPr lang="fr-FR"/>
           </a:p>
@@ -2931,7 +2932,7 @@
           <a:p>
             <a:fld id="{412E0E6D-8AA3-4C45-8C7F-DBFE568E3351}" type="datetimeFigureOut">
               <a:rPr lang="fr-FR" smtClean="0"/>
-              <a:t>17/11/2019</a:t>
+              <a:t>18/11/2019</a:t>
             </a:fld>
             <a:endParaRPr lang="fr-FR"/>
           </a:p>
@@ -4655,69 +4656,6 @@
       </p:sp>
       <p:sp>
         <p:nvSpPr>
-          <p:cNvPr id="58" name="Rounded Rectangle 57">
-            <a:extLst>
-              <a:ext uri="{FF2B5EF4-FFF2-40B4-BE49-F238E27FC236}">
-                <a16:creationId xmlns:a16="http://schemas.microsoft.com/office/drawing/2014/main" id="{5110DB8F-F0FE-544F-B343-D0FFD12E96B9}"/>
-              </a:ext>
-            </a:extLst>
-          </p:cNvPr>
-          <p:cNvSpPr/>
-          <p:nvPr/>
-        </p:nvSpPr>
-        <p:spPr>
-          <a:xfrm>
-            <a:off x="2586244" y="4512512"/>
-            <a:ext cx="947225" cy="414924"/>
-          </a:xfrm>
-          <a:prstGeom prst="roundRect">
-            <a:avLst/>
-          </a:prstGeom>
-          <a:noFill/>
-          <a:ln w="38100">
-            <a:solidFill>
-              <a:schemeClr val="accent6">
-                <a:lumMod val="75000"/>
-              </a:schemeClr>
-            </a:solidFill>
-          </a:ln>
-        </p:spPr>
-        <p:style>
-          <a:lnRef idx="2">
-            <a:schemeClr val="accent1">
-              <a:shade val="50000"/>
-            </a:schemeClr>
-          </a:lnRef>
-          <a:fillRef idx="1">
-            <a:schemeClr val="accent1"/>
-          </a:fillRef>
-          <a:effectRef idx="0">
-            <a:schemeClr val="accent1"/>
-          </a:effectRef>
-          <a:fontRef idx="minor">
-            <a:schemeClr val="lt1"/>
-          </a:fontRef>
-        </p:style>
-        <p:txBody>
-          <a:bodyPr rtlCol="0" anchor="ctr"/>
-          <a:lstStyle/>
-          <a:p>
-            <a:pPr algn="ctr"/>
-            <a:r>
-              <a:rPr lang="en-US" b="1" dirty="0">
-                <a:solidFill>
-                  <a:schemeClr val="accent6">
-                    <a:lumMod val="50000"/>
-                  </a:schemeClr>
-                </a:solidFill>
-              </a:rPr>
-              <a:t>CART</a:t>
-            </a:r>
-          </a:p>
-        </p:txBody>
-      </p:sp>
-      <p:sp>
-        <p:nvSpPr>
           <p:cNvPr id="59" name="Rounded Rectangle 58">
             <a:extLst>
               <a:ext uri="{FF2B5EF4-FFF2-40B4-BE49-F238E27FC236}">
@@ -4919,7 +4857,7 @@
         </p:nvSpPr>
         <p:spPr>
           <a:xfrm>
-            <a:off x="8278748" y="5467972"/>
+            <a:off x="8320207" y="4702132"/>
             <a:ext cx="1070989" cy="562061"/>
           </a:xfrm>
           <a:prstGeom prst="roundRect">
@@ -4970,10 +4908,10 @@
       </p:sp>
       <p:sp>
         <p:nvSpPr>
-          <p:cNvPr id="63" name="Rounded Rectangle 62">
-            <a:extLst>
-              <a:ext uri="{FF2B5EF4-FFF2-40B4-BE49-F238E27FC236}">
-                <a16:creationId xmlns:a16="http://schemas.microsoft.com/office/drawing/2014/main" id="{9681BDDB-633E-124E-BCAC-000DC7A52030}"/>
+          <p:cNvPr id="66" name="Rounded Rectangle 65">
+            <a:extLst>
+              <a:ext uri="{FF2B5EF4-FFF2-40B4-BE49-F238E27FC236}">
+                <a16:creationId xmlns:a16="http://schemas.microsoft.com/office/drawing/2014/main" id="{0B2D80D1-3392-9F4C-A0EF-589C368901E6}"/>
               </a:ext>
             </a:extLst>
           </p:cNvPr>
@@ -4982,133 +4920,7 @@
         </p:nvSpPr>
         <p:spPr>
           <a:xfrm>
-            <a:off x="9583348" y="4919084"/>
-            <a:ext cx="753184" cy="486389"/>
-          </a:xfrm>
-          <a:prstGeom prst="roundRect">
-            <a:avLst/>
-          </a:prstGeom>
-          <a:noFill/>
-          <a:ln w="38100">
-            <a:solidFill>
-              <a:schemeClr val="accent6">
-                <a:lumMod val="75000"/>
-              </a:schemeClr>
-            </a:solidFill>
-          </a:ln>
-        </p:spPr>
-        <p:style>
-          <a:lnRef idx="2">
-            <a:schemeClr val="accent1">
-              <a:shade val="50000"/>
-            </a:schemeClr>
-          </a:lnRef>
-          <a:fillRef idx="1">
-            <a:schemeClr val="accent1"/>
-          </a:fillRef>
-          <a:effectRef idx="0">
-            <a:schemeClr val="accent1"/>
-          </a:effectRef>
-          <a:fontRef idx="minor">
-            <a:schemeClr val="lt1"/>
-          </a:fontRef>
-        </p:style>
-        <p:txBody>
-          <a:bodyPr rtlCol="0" anchor="ctr"/>
-          <a:lstStyle/>
-          <a:p>
-            <a:pPr algn="ctr"/>
-            <a:r>
-              <a:rPr lang="en-US" b="1" dirty="0">
-                <a:solidFill>
-                  <a:schemeClr val="accent6">
-                    <a:lumMod val="50000"/>
-                  </a:schemeClr>
-                </a:solidFill>
-              </a:rPr>
-              <a:t>ICA</a:t>
-            </a:r>
-          </a:p>
-        </p:txBody>
-      </p:sp>
-      <p:sp>
-        <p:nvSpPr>
-          <p:cNvPr id="65" name="Rounded Rectangle 64">
-            <a:extLst>
-              <a:ext uri="{FF2B5EF4-FFF2-40B4-BE49-F238E27FC236}">
-                <a16:creationId xmlns:a16="http://schemas.microsoft.com/office/drawing/2014/main" id="{64555B67-78CE-7B47-A487-963B0BF88B4C}"/>
-              </a:ext>
-            </a:extLst>
-          </p:cNvPr>
-          <p:cNvSpPr/>
-          <p:nvPr/>
-        </p:nvSpPr>
-        <p:spPr>
-          <a:xfrm>
-            <a:off x="10698514" y="5357389"/>
-            <a:ext cx="754787" cy="466416"/>
-          </a:xfrm>
-          <a:prstGeom prst="roundRect">
-            <a:avLst/>
-          </a:prstGeom>
-          <a:noFill/>
-          <a:ln w="38100">
-            <a:solidFill>
-              <a:schemeClr val="accent6">
-                <a:lumMod val="75000"/>
-              </a:schemeClr>
-            </a:solidFill>
-          </a:ln>
-        </p:spPr>
-        <p:style>
-          <a:lnRef idx="2">
-            <a:schemeClr val="accent1">
-              <a:shade val="50000"/>
-            </a:schemeClr>
-          </a:lnRef>
-          <a:fillRef idx="1">
-            <a:schemeClr val="accent1"/>
-          </a:fillRef>
-          <a:effectRef idx="0">
-            <a:schemeClr val="accent1"/>
-          </a:effectRef>
-          <a:fontRef idx="minor">
-            <a:schemeClr val="lt1"/>
-          </a:fontRef>
-        </p:style>
-        <p:txBody>
-          <a:bodyPr rtlCol="0" anchor="ctr"/>
-          <a:lstStyle/>
-          <a:p>
-            <a:pPr algn="ctr"/>
-            <a:r>
-              <a:rPr lang="en-US" b="1" dirty="0">
-                <a:solidFill>
-                  <a:schemeClr val="accent6">
-                    <a:lumMod val="50000"/>
-                  </a:schemeClr>
-                </a:solidFill>
-              </a:rPr>
-              <a:t>SOM</a:t>
-            </a:r>
-          </a:p>
-        </p:txBody>
-      </p:sp>
-      <p:sp>
-        <p:nvSpPr>
-          <p:cNvPr id="66" name="Rounded Rectangle 65">
-            <a:extLst>
-              <a:ext uri="{FF2B5EF4-FFF2-40B4-BE49-F238E27FC236}">
-                <a16:creationId xmlns:a16="http://schemas.microsoft.com/office/drawing/2014/main" id="{0B2D80D1-3392-9F4C-A0EF-589C368901E6}"/>
-              </a:ext>
-            </a:extLst>
-          </p:cNvPr>
-          <p:cNvSpPr/>
-          <p:nvPr/>
-        </p:nvSpPr>
-        <p:spPr>
-          <a:xfrm>
-            <a:off x="11391045" y="4608045"/>
+            <a:off x="10208250" y="4922140"/>
             <a:ext cx="736599" cy="414924"/>
           </a:xfrm>
           <a:prstGeom prst="roundRect">
@@ -5249,96 +5061,6 @@
       </p:cxnSp>
       <p:cxnSp>
         <p:nvCxnSpPr>
-          <p:cNvPr id="73" name="Straight Arrow Connector 72">
-            <a:extLst>
-              <a:ext uri="{FF2B5EF4-FFF2-40B4-BE49-F238E27FC236}">
-                <a16:creationId xmlns:a16="http://schemas.microsoft.com/office/drawing/2014/main" id="{1FF1EA09-4503-2446-A0BE-AC73E683A4C2}"/>
-              </a:ext>
-            </a:extLst>
-          </p:cNvPr>
-          <p:cNvCxnSpPr>
-            <a:stCxn id="13" idx="2"/>
-            <a:endCxn id="58" idx="0"/>
-          </p:cNvCxnSpPr>
-          <p:nvPr/>
-        </p:nvCxnSpPr>
-        <p:spPr>
-          <a:xfrm>
-            <a:off x="1870376" y="3798332"/>
-            <a:ext cx="1189481" cy="714180"/>
-          </a:xfrm>
-          <a:prstGeom prst="straightConnector1">
-            <a:avLst/>
-          </a:prstGeom>
-          <a:ln w="38100">
-            <a:solidFill>
-              <a:schemeClr val="tx1"/>
-            </a:solidFill>
-            <a:tailEnd type="triangle"/>
-          </a:ln>
-        </p:spPr>
-        <p:style>
-          <a:lnRef idx="1">
-            <a:schemeClr val="accent1"/>
-          </a:lnRef>
-          <a:fillRef idx="0">
-            <a:schemeClr val="accent1"/>
-          </a:fillRef>
-          <a:effectRef idx="0">
-            <a:schemeClr val="accent1"/>
-          </a:effectRef>
-          <a:fontRef idx="minor">
-            <a:schemeClr val="tx1"/>
-          </a:fontRef>
-        </p:style>
-      </p:cxnSp>
-      <p:cxnSp>
-        <p:nvCxnSpPr>
-          <p:cNvPr id="75" name="Straight Arrow Connector 74">
-            <a:extLst>
-              <a:ext uri="{FF2B5EF4-FFF2-40B4-BE49-F238E27FC236}">
-                <a16:creationId xmlns:a16="http://schemas.microsoft.com/office/drawing/2014/main" id="{8851B3CF-EA9D-EE43-BA1D-9D0895BB630D}"/>
-              </a:ext>
-            </a:extLst>
-          </p:cNvPr>
-          <p:cNvCxnSpPr>
-            <a:stCxn id="12" idx="2"/>
-            <a:endCxn id="58" idx="0"/>
-          </p:cNvCxnSpPr>
-          <p:nvPr/>
-        </p:nvCxnSpPr>
-        <p:spPr>
-          <a:xfrm flipH="1">
-            <a:off x="3059857" y="3798332"/>
-            <a:ext cx="1742289" cy="714180"/>
-          </a:xfrm>
-          <a:prstGeom prst="straightConnector1">
-            <a:avLst/>
-          </a:prstGeom>
-          <a:ln w="38100">
-            <a:solidFill>
-              <a:schemeClr val="tx1"/>
-            </a:solidFill>
-            <a:tailEnd type="triangle"/>
-          </a:ln>
-        </p:spPr>
-        <p:style>
-          <a:lnRef idx="1">
-            <a:schemeClr val="accent1"/>
-          </a:lnRef>
-          <a:fillRef idx="0">
-            <a:schemeClr val="accent1"/>
-          </a:fillRef>
-          <a:effectRef idx="0">
-            <a:schemeClr val="accent1"/>
-          </a:effectRef>
-          <a:fontRef idx="minor">
-            <a:schemeClr val="tx1"/>
-          </a:fontRef>
-        </p:style>
-      </p:cxnSp>
-      <p:cxnSp>
-        <p:nvCxnSpPr>
           <p:cNvPr id="77" name="Straight Arrow Connector 76">
             <a:extLst>
               <a:ext uri="{FF2B5EF4-FFF2-40B4-BE49-F238E27FC236}">
@@ -5535,97 +5257,7 @@
         <p:spPr>
           <a:xfrm>
             <a:off x="7143172" y="3936831"/>
-            <a:ext cx="1671071" cy="1531141"/>
-          </a:xfrm>
-          <a:prstGeom prst="straightConnector1">
-            <a:avLst/>
-          </a:prstGeom>
-          <a:ln w="38100">
-            <a:solidFill>
-              <a:schemeClr val="tx1"/>
-            </a:solidFill>
-            <a:tailEnd type="triangle"/>
-          </a:ln>
-        </p:spPr>
-        <p:style>
-          <a:lnRef idx="1">
-            <a:schemeClr val="accent1"/>
-          </a:lnRef>
-          <a:fillRef idx="0">
-            <a:schemeClr val="accent1"/>
-          </a:fillRef>
-          <a:effectRef idx="0">
-            <a:schemeClr val="accent1"/>
-          </a:effectRef>
-          <a:fontRef idx="minor">
-            <a:schemeClr val="tx1"/>
-          </a:fontRef>
-        </p:style>
-      </p:cxnSp>
-      <p:cxnSp>
-        <p:nvCxnSpPr>
-          <p:cNvPr id="89" name="Straight Arrow Connector 88">
-            <a:extLst>
-              <a:ext uri="{FF2B5EF4-FFF2-40B4-BE49-F238E27FC236}">
-                <a16:creationId xmlns:a16="http://schemas.microsoft.com/office/drawing/2014/main" id="{24F1D129-8527-3F48-B3AB-243EAE54B9E1}"/>
-              </a:ext>
-            </a:extLst>
-          </p:cNvPr>
-          <p:cNvCxnSpPr>
-            <a:stCxn id="28" idx="2"/>
-            <a:endCxn id="63" idx="0"/>
-          </p:cNvCxnSpPr>
-          <p:nvPr/>
-        </p:nvCxnSpPr>
-        <p:spPr>
-          <a:xfrm flipH="1">
-            <a:off x="9959940" y="3936831"/>
-            <a:ext cx="616611" cy="982253"/>
-          </a:xfrm>
-          <a:prstGeom prst="straightConnector1">
-            <a:avLst/>
-          </a:prstGeom>
-          <a:ln w="38100">
-            <a:solidFill>
-              <a:schemeClr val="tx1"/>
-            </a:solidFill>
-            <a:tailEnd type="triangle"/>
-          </a:ln>
-        </p:spPr>
-        <p:style>
-          <a:lnRef idx="1">
-            <a:schemeClr val="accent1"/>
-          </a:lnRef>
-          <a:fillRef idx="0">
-            <a:schemeClr val="accent1"/>
-          </a:fillRef>
-          <a:effectRef idx="0">
-            <a:schemeClr val="accent1"/>
-          </a:effectRef>
-          <a:fontRef idx="minor">
-            <a:schemeClr val="tx1"/>
-          </a:fontRef>
-        </p:style>
-      </p:cxnSp>
-      <p:cxnSp>
-        <p:nvCxnSpPr>
-          <p:cNvPr id="91" name="Straight Arrow Connector 90">
-            <a:extLst>
-              <a:ext uri="{FF2B5EF4-FFF2-40B4-BE49-F238E27FC236}">
-                <a16:creationId xmlns:a16="http://schemas.microsoft.com/office/drawing/2014/main" id="{615730DB-2D48-F940-9FB5-CB80EA3F558E}"/>
-              </a:ext>
-            </a:extLst>
-          </p:cNvPr>
-          <p:cNvCxnSpPr>
-            <a:stCxn id="28" idx="2"/>
-            <a:endCxn id="65" idx="0"/>
-          </p:cNvCxnSpPr>
-          <p:nvPr/>
-        </p:nvCxnSpPr>
-        <p:spPr>
-          <a:xfrm>
-            <a:off x="10576551" y="3936831"/>
-            <a:ext cx="499357" cy="1420558"/>
+            <a:ext cx="1712530" cy="765301"/>
           </a:xfrm>
           <a:prstGeom prst="straightConnector1">
             <a:avLst/>
@@ -5668,9 +5300,9 @@
           <p:nvPr/>
         </p:nvCxnSpPr>
         <p:spPr>
-          <a:xfrm>
-            <a:off x="10576551" y="3936831"/>
-            <a:ext cx="1182794" cy="671214"/>
+          <a:xfrm flipH="1">
+            <a:off x="10576550" y="3936831"/>
+            <a:ext cx="1" cy="985309"/>
           </a:xfrm>
           <a:prstGeom prst="straightConnector1">
             <a:avLst/>
@@ -6055,6 +5687,58 @@
           </a:p>
         </p:txBody>
       </p:sp>
+      <p:sp>
+        <p:nvSpPr>
+          <p:cNvPr id="8" name="TextBox 7">
+            <a:extLst>
+              <a:ext uri="{FF2B5EF4-FFF2-40B4-BE49-F238E27FC236}">
+                <a16:creationId xmlns:a16="http://schemas.microsoft.com/office/drawing/2014/main" id="{F3DE9864-BC25-0C49-9E91-7A2B688E5EF3}"/>
+              </a:ext>
+            </a:extLst>
+          </p:cNvPr>
+          <p:cNvSpPr txBox="1"/>
+          <p:nvPr/>
+        </p:nvSpPr>
+        <p:spPr>
+          <a:xfrm>
+            <a:off x="7047474" y="2359108"/>
+            <a:ext cx="3604052" cy="369332"/>
+          </a:xfrm>
+          <a:prstGeom prst="rect">
+            <a:avLst/>
+          </a:prstGeom>
+          <a:ln>
+            <a:noFill/>
+          </a:ln>
+        </p:spPr>
+        <p:style>
+          <a:lnRef idx="2">
+            <a:schemeClr val="accent1"/>
+          </a:lnRef>
+          <a:fillRef idx="1">
+            <a:schemeClr val="lt1"/>
+          </a:fillRef>
+          <a:effectRef idx="0">
+            <a:schemeClr val="accent1"/>
+          </a:effectRef>
+          <a:fontRef idx="minor">
+            <a:schemeClr val="dk1"/>
+          </a:fontRef>
+        </p:style>
+        <p:txBody>
+          <a:bodyPr wrap="square" rtlCol="0">
+            <a:spAutoFit/>
+          </a:bodyPr>
+          <a:lstStyle/>
+          <a:p>
+            <a:pPr algn="ctr"/>
+            <a:r>
+              <a:rPr lang="en-US" b="1" i="1" dirty="0"/>
+              <a:t>Do you want to group the data ? </a:t>
+            </a:r>
+          </a:p>
+        </p:txBody>
+      </p:sp>
       <p:cxnSp>
         <p:nvCxnSpPr>
           <p:cNvPr id="11" name="Elbow Connector 10">
@@ -6321,6 +6005,271 @@
       </p:cxnSp>
       <p:cxnSp>
         <p:nvCxnSpPr>
+          <p:cNvPr id="26" name="Straight Connector 25">
+            <a:extLst>
+              <a:ext uri="{FF2B5EF4-FFF2-40B4-BE49-F238E27FC236}">
+                <a16:creationId xmlns:a16="http://schemas.microsoft.com/office/drawing/2014/main" id="{63A482DA-0136-A046-93BD-B8A638CDA95F}"/>
+              </a:ext>
+            </a:extLst>
+          </p:cNvPr>
+          <p:cNvCxnSpPr>
+            <a:cxnSpLocks/>
+            <a:stCxn id="6" idx="2"/>
+            <a:endCxn id="8" idx="0"/>
+          </p:cNvCxnSpPr>
+          <p:nvPr/>
+        </p:nvCxnSpPr>
+        <p:spPr>
+          <a:xfrm>
+            <a:off x="8844736" y="1990745"/>
+            <a:ext cx="4764" cy="368363"/>
+          </a:xfrm>
+          <a:prstGeom prst="line">
+            <a:avLst/>
+          </a:prstGeom>
+          <a:ln w="38100">
+            <a:solidFill>
+              <a:schemeClr val="tx1"/>
+            </a:solidFill>
+          </a:ln>
+        </p:spPr>
+        <p:style>
+          <a:lnRef idx="1">
+            <a:schemeClr val="accent1"/>
+          </a:lnRef>
+          <a:fillRef idx="0">
+            <a:schemeClr val="accent1"/>
+          </a:fillRef>
+          <a:effectRef idx="0">
+            <a:schemeClr val="accent1"/>
+          </a:effectRef>
+          <a:fontRef idx="minor">
+            <a:schemeClr val="tx1"/>
+          </a:fontRef>
+        </p:style>
+      </p:cxnSp>
+      <p:cxnSp>
+        <p:nvCxnSpPr>
+          <p:cNvPr id="27" name="Elbow Connector 26">
+            <a:extLst>
+              <a:ext uri="{FF2B5EF4-FFF2-40B4-BE49-F238E27FC236}">
+                <a16:creationId xmlns:a16="http://schemas.microsoft.com/office/drawing/2014/main" id="{80C0216C-C3E6-604F-85C3-26406C2D88DC}"/>
+              </a:ext>
+            </a:extLst>
+          </p:cNvPr>
+          <p:cNvCxnSpPr>
+            <a:cxnSpLocks/>
+            <a:stCxn id="8" idx="2"/>
+            <a:endCxn id="29" idx="0"/>
+          </p:cNvCxnSpPr>
+          <p:nvPr/>
+        </p:nvCxnSpPr>
+        <p:spPr>
+          <a:xfrm rot="5400000">
+            <a:off x="7715306" y="2156306"/>
+            <a:ext cx="562060" cy="1706328"/>
+          </a:xfrm>
+          <a:prstGeom prst="bentConnector3">
+            <a:avLst>
+              <a:gd name="adj1" fmla="val 50000"/>
+            </a:avLst>
+          </a:prstGeom>
+          <a:ln w="38100">
+            <a:solidFill>
+              <a:schemeClr val="tx1"/>
+            </a:solidFill>
+            <a:tailEnd type="triangle"/>
+          </a:ln>
+        </p:spPr>
+        <p:style>
+          <a:lnRef idx="1">
+            <a:schemeClr val="accent1"/>
+          </a:lnRef>
+          <a:fillRef idx="0">
+            <a:schemeClr val="accent1"/>
+          </a:fillRef>
+          <a:effectRef idx="0">
+            <a:schemeClr val="accent1"/>
+          </a:effectRef>
+          <a:fontRef idx="minor">
+            <a:schemeClr val="tx1"/>
+          </a:fontRef>
+        </p:style>
+      </p:cxnSp>
+      <p:sp>
+        <p:nvSpPr>
+          <p:cNvPr id="28" name="TextBox 27">
+            <a:extLst>
+              <a:ext uri="{FF2B5EF4-FFF2-40B4-BE49-F238E27FC236}">
+                <a16:creationId xmlns:a16="http://schemas.microsoft.com/office/drawing/2014/main" id="{DF5C3ADF-D4D7-3D4D-BA01-159BE816FA8D}"/>
+              </a:ext>
+            </a:extLst>
+          </p:cNvPr>
+          <p:cNvSpPr txBox="1"/>
+          <p:nvPr/>
+        </p:nvSpPr>
+        <p:spPr>
+          <a:xfrm>
+            <a:off x="9602683" y="3290500"/>
+            <a:ext cx="1947735" cy="646331"/>
+          </a:xfrm>
+          <a:prstGeom prst="rect">
+            <a:avLst/>
+          </a:prstGeom>
+          <a:solidFill>
+            <a:schemeClr val="accent2">
+              <a:lumMod val="40000"/>
+              <a:lumOff val="60000"/>
+            </a:schemeClr>
+          </a:solidFill>
+          <a:ln w="38100">
+            <a:solidFill>
+              <a:schemeClr val="accent2">
+                <a:lumMod val="50000"/>
+              </a:schemeClr>
+            </a:solidFill>
+          </a:ln>
+        </p:spPr>
+        <p:style>
+          <a:lnRef idx="2">
+            <a:schemeClr val="accent1"/>
+          </a:lnRef>
+          <a:fillRef idx="1">
+            <a:schemeClr val="lt1"/>
+          </a:fillRef>
+          <a:effectRef idx="0">
+            <a:schemeClr val="accent1"/>
+          </a:effectRef>
+          <a:fontRef idx="minor">
+            <a:schemeClr val="dk1"/>
+          </a:fontRef>
+        </p:style>
+        <p:txBody>
+          <a:bodyPr wrap="square" rtlCol="0">
+            <a:spAutoFit/>
+          </a:bodyPr>
+          <a:lstStyle/>
+          <a:p>
+            <a:pPr algn="ctr"/>
+            <a:r>
+              <a:rPr lang="en-US" dirty="0"/>
+              <a:t>Dimensionality Reduction</a:t>
+            </a:r>
+          </a:p>
+        </p:txBody>
+      </p:sp>
+      <p:sp>
+        <p:nvSpPr>
+          <p:cNvPr id="29" name="TextBox 28">
+            <a:extLst>
+              <a:ext uri="{FF2B5EF4-FFF2-40B4-BE49-F238E27FC236}">
+                <a16:creationId xmlns:a16="http://schemas.microsoft.com/office/drawing/2014/main" id="{49D36E26-4624-BE47-86B7-77E07A554E9A}"/>
+              </a:ext>
+            </a:extLst>
+          </p:cNvPr>
+          <p:cNvSpPr txBox="1"/>
+          <p:nvPr/>
+        </p:nvSpPr>
+        <p:spPr>
+          <a:xfrm>
+            <a:off x="6331616" y="3290500"/>
+            <a:ext cx="1623112" cy="646331"/>
+          </a:xfrm>
+          <a:prstGeom prst="rect">
+            <a:avLst/>
+          </a:prstGeom>
+          <a:solidFill>
+            <a:schemeClr val="accent2">
+              <a:lumMod val="40000"/>
+              <a:lumOff val="60000"/>
+            </a:schemeClr>
+          </a:solidFill>
+          <a:ln w="38100">
+            <a:solidFill>
+              <a:schemeClr val="accent2">
+                <a:lumMod val="50000"/>
+              </a:schemeClr>
+            </a:solidFill>
+          </a:ln>
+        </p:spPr>
+        <p:style>
+          <a:lnRef idx="2">
+            <a:schemeClr val="accent1"/>
+          </a:lnRef>
+          <a:fillRef idx="1">
+            <a:schemeClr val="lt1"/>
+          </a:fillRef>
+          <a:effectRef idx="0">
+            <a:schemeClr val="accent1"/>
+          </a:effectRef>
+          <a:fontRef idx="minor">
+            <a:schemeClr val="dk1"/>
+          </a:fontRef>
+        </p:style>
+        <p:txBody>
+          <a:bodyPr wrap="square" rtlCol="0">
+            <a:spAutoFit/>
+          </a:bodyPr>
+          <a:lstStyle/>
+          <a:p>
+            <a:pPr algn="ctr"/>
+            <a:r>
+              <a:rPr lang="en-US" dirty="0"/>
+              <a:t>Cluster Analysis</a:t>
+            </a:r>
+          </a:p>
+        </p:txBody>
+      </p:sp>
+      <p:cxnSp>
+        <p:nvCxnSpPr>
+          <p:cNvPr id="30" name="Elbow Connector 29">
+            <a:extLst>
+              <a:ext uri="{FF2B5EF4-FFF2-40B4-BE49-F238E27FC236}">
+                <a16:creationId xmlns:a16="http://schemas.microsoft.com/office/drawing/2014/main" id="{57E7C768-CD38-2445-891C-985A22859348}"/>
+              </a:ext>
+            </a:extLst>
+          </p:cNvPr>
+          <p:cNvCxnSpPr>
+            <a:cxnSpLocks/>
+            <a:stCxn id="8" idx="2"/>
+            <a:endCxn id="28" idx="0"/>
+          </p:cNvCxnSpPr>
+          <p:nvPr/>
+        </p:nvCxnSpPr>
+        <p:spPr>
+          <a:xfrm rot="16200000" flipH="1">
+            <a:off x="9431995" y="2145944"/>
+            <a:ext cx="562060" cy="1727051"/>
+          </a:xfrm>
+          <a:prstGeom prst="bentConnector3">
+            <a:avLst>
+              <a:gd name="adj1" fmla="val 50000"/>
+            </a:avLst>
+          </a:prstGeom>
+          <a:ln w="38100">
+            <a:solidFill>
+              <a:schemeClr val="tx1"/>
+            </a:solidFill>
+            <a:tailEnd type="triangle"/>
+          </a:ln>
+        </p:spPr>
+        <p:style>
+          <a:lnRef idx="1">
+            <a:schemeClr val="accent1"/>
+          </a:lnRef>
+          <a:fillRef idx="0">
+            <a:schemeClr val="accent1"/>
+          </a:fillRef>
+          <a:effectRef idx="0">
+            <a:schemeClr val="accent1"/>
+          </a:effectRef>
+          <a:fontRef idx="minor">
+            <a:schemeClr val="tx1"/>
+          </a:fontRef>
+        </p:style>
+      </p:cxnSp>
+      <p:cxnSp>
+        <p:nvCxnSpPr>
           <p:cNvPr id="37" name="Elbow Connector 36">
             <a:extLst>
               <a:ext uri="{FF2B5EF4-FFF2-40B4-BE49-F238E27FC236}">
@@ -6563,6 +6512,143 @@
       </p:sp>
       <p:sp>
         <p:nvSpPr>
+          <p:cNvPr id="49" name="TextBox 48">
+            <a:extLst>
+              <a:ext uri="{FF2B5EF4-FFF2-40B4-BE49-F238E27FC236}">
+                <a16:creationId xmlns:a16="http://schemas.microsoft.com/office/drawing/2014/main" id="{E6760340-2895-7340-B8A2-2DFE2D6BB3BD}"/>
+              </a:ext>
+            </a:extLst>
+          </p:cNvPr>
+          <p:cNvSpPr txBox="1"/>
+          <p:nvPr/>
+        </p:nvSpPr>
+        <p:spPr>
+          <a:xfrm>
+            <a:off x="7360253" y="2728439"/>
+            <a:ext cx="1472126" cy="338554"/>
+          </a:xfrm>
+          <a:prstGeom prst="rect">
+            <a:avLst/>
+          </a:prstGeom>
+          <a:noFill/>
+        </p:spPr>
+        <p:txBody>
+          <a:bodyPr wrap="square" rtlCol="0">
+            <a:spAutoFit/>
+          </a:bodyPr>
+          <a:lstStyle/>
+          <a:p>
+            <a:pPr algn="ctr"/>
+            <a:r>
+              <a:rPr lang="en-US" sz="1600" dirty="0"/>
+              <a:t>Yes</a:t>
+            </a:r>
+            <a:endParaRPr lang="en-US" dirty="0"/>
+          </a:p>
+        </p:txBody>
+      </p:sp>
+      <p:sp>
+        <p:nvSpPr>
+          <p:cNvPr id="50" name="TextBox 49">
+            <a:extLst>
+              <a:ext uri="{FF2B5EF4-FFF2-40B4-BE49-F238E27FC236}">
+                <a16:creationId xmlns:a16="http://schemas.microsoft.com/office/drawing/2014/main" id="{94956295-2BC6-8745-9785-16D6DCB693A9}"/>
+              </a:ext>
+            </a:extLst>
+          </p:cNvPr>
+          <p:cNvSpPr txBox="1"/>
+          <p:nvPr/>
+        </p:nvSpPr>
+        <p:spPr>
+          <a:xfrm>
+            <a:off x="8893269" y="2724205"/>
+            <a:ext cx="1472126" cy="338554"/>
+          </a:xfrm>
+          <a:prstGeom prst="rect">
+            <a:avLst/>
+          </a:prstGeom>
+          <a:noFill/>
+        </p:spPr>
+        <p:txBody>
+          <a:bodyPr wrap="square" rtlCol="0">
+            <a:spAutoFit/>
+          </a:bodyPr>
+          <a:lstStyle/>
+          <a:p>
+            <a:pPr algn="ctr"/>
+            <a:r>
+              <a:rPr lang="en-US" sz="1600" dirty="0"/>
+              <a:t>No</a:t>
+            </a:r>
+            <a:endParaRPr lang="en-US" dirty="0"/>
+          </a:p>
+        </p:txBody>
+      </p:sp>
+      <p:sp>
+        <p:nvSpPr>
+          <p:cNvPr id="52" name="Rounded Rectangle 51">
+            <a:extLst>
+              <a:ext uri="{FF2B5EF4-FFF2-40B4-BE49-F238E27FC236}">
+                <a16:creationId xmlns:a16="http://schemas.microsoft.com/office/drawing/2014/main" id="{637B2638-C50C-3744-A81C-3EF7ADF5946A}"/>
+              </a:ext>
+            </a:extLst>
+          </p:cNvPr>
+          <p:cNvSpPr/>
+          <p:nvPr/>
+        </p:nvSpPr>
+        <p:spPr>
+          <a:xfrm>
+            <a:off x="5677743" y="4849796"/>
+            <a:ext cx="898503" cy="399649"/>
+          </a:xfrm>
+          <a:prstGeom prst="roundRect">
+            <a:avLst/>
+          </a:prstGeom>
+          <a:noFill/>
+          <a:ln w="38100">
+            <a:solidFill>
+              <a:schemeClr val="accent6">
+                <a:lumMod val="75000"/>
+              </a:schemeClr>
+            </a:solidFill>
+          </a:ln>
+        </p:spPr>
+        <p:style>
+          <a:lnRef idx="2">
+            <a:schemeClr val="accent1">
+              <a:shade val="50000"/>
+            </a:schemeClr>
+          </a:lnRef>
+          <a:fillRef idx="1">
+            <a:schemeClr val="accent1"/>
+          </a:fillRef>
+          <a:effectRef idx="0">
+            <a:schemeClr val="accent1"/>
+          </a:effectRef>
+          <a:fontRef idx="minor">
+            <a:schemeClr val="lt1"/>
+          </a:fontRef>
+        </p:style>
+        <p:txBody>
+          <a:bodyPr rtlCol="0" anchor="ctr"/>
+          <a:lstStyle/>
+          <a:p>
+            <a:pPr algn="ctr"/>
+            <a:r>
+              <a:rPr lang="en-US" b="1" dirty="0">
+                <a:solidFill>
+                  <a:schemeClr val="accent6">
+                    <a:lumMod val="50000"/>
+                  </a:schemeClr>
+                </a:solidFill>
+              </a:rPr>
+              <a:t>SVM</a:t>
+            </a:r>
+          </a:p>
+        </p:txBody>
+      </p:sp>
+      <p:sp>
+        <p:nvSpPr>
           <p:cNvPr id="56" name="Rounded Rectangle 55">
             <a:extLst>
               <a:ext uri="{FF2B5EF4-FFF2-40B4-BE49-F238E27FC236}">
@@ -6809,6 +6895,69 @@
                 </a:solidFill>
               </a:rPr>
               <a:t>LASSO</a:t>
+            </a:r>
+          </a:p>
+        </p:txBody>
+      </p:sp>
+      <p:sp>
+        <p:nvSpPr>
+          <p:cNvPr id="66" name="Rounded Rectangle 65">
+            <a:extLst>
+              <a:ext uri="{FF2B5EF4-FFF2-40B4-BE49-F238E27FC236}">
+                <a16:creationId xmlns:a16="http://schemas.microsoft.com/office/drawing/2014/main" id="{0B2D80D1-3392-9F4C-A0EF-589C368901E6}"/>
+              </a:ext>
+            </a:extLst>
+          </p:cNvPr>
+          <p:cNvSpPr/>
+          <p:nvPr/>
+        </p:nvSpPr>
+        <p:spPr>
+          <a:xfrm>
+            <a:off x="10208250" y="4922140"/>
+            <a:ext cx="736599" cy="414924"/>
+          </a:xfrm>
+          <a:prstGeom prst="roundRect">
+            <a:avLst/>
+          </a:prstGeom>
+          <a:noFill/>
+          <a:ln w="38100">
+            <a:solidFill>
+              <a:schemeClr val="accent6">
+                <a:lumMod val="75000"/>
+              </a:schemeClr>
+            </a:solidFill>
+          </a:ln>
+        </p:spPr>
+        <p:style>
+          <a:lnRef idx="2">
+            <a:schemeClr val="accent1">
+              <a:shade val="50000"/>
+            </a:schemeClr>
+          </a:lnRef>
+          <a:fillRef idx="1">
+            <a:schemeClr val="accent1"/>
+          </a:fillRef>
+          <a:effectRef idx="0">
+            <a:schemeClr val="accent1"/>
+          </a:effectRef>
+          <a:fontRef idx="minor">
+            <a:schemeClr val="lt1"/>
+          </a:fontRef>
+        </p:style>
+        <p:txBody>
+          <a:bodyPr rtlCol="0" anchor="ctr"/>
+          <a:lstStyle/>
+          <a:p>
+            <a:pPr algn="ctr"/>
+            <a:r>
+              <a:rPr lang="en-US" b="1" dirty="0">
+                <a:solidFill>
+                  <a:schemeClr val="accent6">
+                    <a:lumMod val="50000"/>
+                  </a:schemeClr>
+                </a:solidFill>
+              </a:rPr>
+              <a:t>PCA</a:t>
             </a:r>
           </a:p>
         </p:txBody>
@@ -6993,6 +7142,96 @@
           </a:fontRef>
         </p:style>
       </p:cxnSp>
+      <p:cxnSp>
+        <p:nvCxnSpPr>
+          <p:cNvPr id="83" name="Straight Arrow Connector 82">
+            <a:extLst>
+              <a:ext uri="{FF2B5EF4-FFF2-40B4-BE49-F238E27FC236}">
+                <a16:creationId xmlns:a16="http://schemas.microsoft.com/office/drawing/2014/main" id="{C85FD1C0-C39A-0D4C-9188-8D448E8A9CA2}"/>
+              </a:ext>
+            </a:extLst>
+          </p:cNvPr>
+          <p:cNvCxnSpPr>
+            <a:stCxn id="12" idx="2"/>
+            <a:endCxn id="52" idx="0"/>
+          </p:cNvCxnSpPr>
+          <p:nvPr/>
+        </p:nvCxnSpPr>
+        <p:spPr>
+          <a:xfrm>
+            <a:off x="4802146" y="3798332"/>
+            <a:ext cx="1324849" cy="1051464"/>
+          </a:xfrm>
+          <a:prstGeom prst="straightConnector1">
+            <a:avLst/>
+          </a:prstGeom>
+          <a:ln w="38100">
+            <a:solidFill>
+              <a:schemeClr val="tx1"/>
+            </a:solidFill>
+            <a:tailEnd type="triangle"/>
+          </a:ln>
+        </p:spPr>
+        <p:style>
+          <a:lnRef idx="1">
+            <a:schemeClr val="accent1"/>
+          </a:lnRef>
+          <a:fillRef idx="0">
+            <a:schemeClr val="accent1"/>
+          </a:fillRef>
+          <a:effectRef idx="0">
+            <a:schemeClr val="accent1"/>
+          </a:effectRef>
+          <a:fontRef idx="minor">
+            <a:schemeClr val="tx1"/>
+          </a:fontRef>
+        </p:style>
+      </p:cxnSp>
+      <p:cxnSp>
+        <p:nvCxnSpPr>
+          <p:cNvPr id="93" name="Straight Arrow Connector 92">
+            <a:extLst>
+              <a:ext uri="{FF2B5EF4-FFF2-40B4-BE49-F238E27FC236}">
+                <a16:creationId xmlns:a16="http://schemas.microsoft.com/office/drawing/2014/main" id="{5F86E242-A16E-5041-AE9E-3B1A4AEF5CC3}"/>
+              </a:ext>
+            </a:extLst>
+          </p:cNvPr>
+          <p:cNvCxnSpPr>
+            <a:stCxn id="28" idx="2"/>
+            <a:endCxn id="66" idx="0"/>
+          </p:cNvCxnSpPr>
+          <p:nvPr/>
+        </p:nvCxnSpPr>
+        <p:spPr>
+          <a:xfrm flipH="1">
+            <a:off x="10576550" y="3936831"/>
+            <a:ext cx="1" cy="985309"/>
+          </a:xfrm>
+          <a:prstGeom prst="straightConnector1">
+            <a:avLst/>
+          </a:prstGeom>
+          <a:ln w="38100">
+            <a:solidFill>
+              <a:schemeClr val="tx1"/>
+            </a:solidFill>
+            <a:tailEnd type="triangle"/>
+          </a:ln>
+        </p:spPr>
+        <p:style>
+          <a:lnRef idx="1">
+            <a:schemeClr val="accent1"/>
+          </a:lnRef>
+          <a:fillRef idx="0">
+            <a:schemeClr val="accent1"/>
+          </a:fillRef>
+          <a:effectRef idx="0">
+            <a:schemeClr val="accent1"/>
+          </a:effectRef>
+          <a:fontRef idx="minor">
+            <a:schemeClr val="tx1"/>
+          </a:fontRef>
+        </p:style>
+      </p:cxnSp>
       <p:sp>
         <p:nvSpPr>
           <p:cNvPr id="51" name="Rounded Rectangle 50">
@@ -7105,7 +7344,2018 @@
     </p:spTree>
     <p:extLst>
       <p:ext uri="{BB962C8B-B14F-4D97-AF65-F5344CB8AC3E}">
-        <p14:creationId xmlns:p14="http://schemas.microsoft.com/office/powerpoint/2010/main" val="268294857"/>
+        <p14:creationId xmlns:p14="http://schemas.microsoft.com/office/powerpoint/2010/main" val="4253440344"/>
+      </p:ext>
+    </p:extLst>
+  </p:cSld>
+  <p:clrMapOvr>
+    <a:masterClrMapping/>
+  </p:clrMapOvr>
+</p:sld>
+</file>
+
+<file path=ppt/slides/slide3.xml><?xml version="1.0" encoding="utf-8"?>
+<p:sld xmlns:a="http://schemas.openxmlformats.org/drawingml/2006/main" xmlns:r="http://schemas.openxmlformats.org/officeDocument/2006/relationships" xmlns:p="http://schemas.openxmlformats.org/presentationml/2006/main">
+  <p:cSld>
+    <p:spTree>
+      <p:nvGrpSpPr>
+        <p:cNvPr id="1" name=""/>
+        <p:cNvGrpSpPr/>
+        <p:nvPr/>
+      </p:nvGrpSpPr>
+      <p:grpSpPr>
+        <a:xfrm>
+          <a:off x="0" y="0"/>
+          <a:ext cx="0" cy="0"/>
+          <a:chOff x="0" y="0"/>
+          <a:chExt cx="0" cy="0"/>
+        </a:xfrm>
+      </p:grpSpPr>
+      <p:sp>
+        <p:nvSpPr>
+          <p:cNvPr id="4" name="TextBox 3">
+            <a:extLst>
+              <a:ext uri="{FF2B5EF4-FFF2-40B4-BE49-F238E27FC236}">
+                <a16:creationId xmlns:a16="http://schemas.microsoft.com/office/drawing/2014/main" id="{B6756D7C-2466-FC44-9817-EBFA8D1E9677}"/>
+              </a:ext>
+            </a:extLst>
+          </p:cNvPr>
+          <p:cNvSpPr txBox="1"/>
+          <p:nvPr/>
+        </p:nvSpPr>
+        <p:spPr>
+          <a:xfrm>
+            <a:off x="5124450" y="585788"/>
+            <a:ext cx="1943100" cy="646331"/>
+          </a:xfrm>
+          <a:prstGeom prst="rect">
+            <a:avLst/>
+          </a:prstGeom>
+          <a:solidFill>
+            <a:srgbClr val="C00000"/>
+          </a:solidFill>
+          <a:ln w="28575">
+            <a:solidFill>
+              <a:schemeClr val="tx1"/>
+            </a:solidFill>
+          </a:ln>
+        </p:spPr>
+        <p:txBody>
+          <a:bodyPr wrap="square" rtlCol="0">
+            <a:spAutoFit/>
+          </a:bodyPr>
+          <a:lstStyle/>
+          <a:p>
+            <a:pPr algn="ctr"/>
+            <a:r>
+              <a:rPr lang="fr-FR" b="1" dirty="0">
+                <a:solidFill>
+                  <a:schemeClr val="bg1"/>
+                </a:solidFill>
+              </a:rPr>
+              <a:t>Do you have labeled data ?</a:t>
+            </a:r>
+          </a:p>
+        </p:txBody>
+      </p:sp>
+      <p:sp>
+        <p:nvSpPr>
+          <p:cNvPr id="5" name="TextBox 4">
+            <a:extLst>
+              <a:ext uri="{FF2B5EF4-FFF2-40B4-BE49-F238E27FC236}">
+                <a16:creationId xmlns:a16="http://schemas.microsoft.com/office/drawing/2014/main" id="{1298B5F2-2229-9E48-B4BC-0EBB55045E43}"/>
+              </a:ext>
+            </a:extLst>
+          </p:cNvPr>
+          <p:cNvSpPr txBox="1"/>
+          <p:nvPr/>
+        </p:nvSpPr>
+        <p:spPr>
+          <a:xfrm>
+            <a:off x="2508421" y="1620106"/>
+            <a:ext cx="1668162" cy="369332"/>
+          </a:xfrm>
+          <a:prstGeom prst="rect">
+            <a:avLst/>
+          </a:prstGeom>
+          <a:solidFill>
+            <a:schemeClr val="accent1">
+              <a:lumMod val="40000"/>
+              <a:lumOff val="60000"/>
+            </a:schemeClr>
+          </a:solidFill>
+          <a:ln w="57150">
+            <a:solidFill>
+              <a:schemeClr val="tx1"/>
+            </a:solidFill>
+          </a:ln>
+        </p:spPr>
+        <p:style>
+          <a:lnRef idx="2">
+            <a:schemeClr val="accent1"/>
+          </a:lnRef>
+          <a:fillRef idx="1">
+            <a:schemeClr val="lt1"/>
+          </a:fillRef>
+          <a:effectRef idx="0">
+            <a:schemeClr val="accent1"/>
+          </a:effectRef>
+          <a:fontRef idx="minor">
+            <a:schemeClr val="dk1"/>
+          </a:fontRef>
+        </p:style>
+        <p:txBody>
+          <a:bodyPr wrap="square" rtlCol="0">
+            <a:spAutoFit/>
+          </a:bodyPr>
+          <a:lstStyle/>
+          <a:p>
+            <a:pPr algn="ctr"/>
+            <a:r>
+              <a:rPr lang="en-US" b="1" dirty="0"/>
+              <a:t>SUPERVISED</a:t>
+            </a:r>
+          </a:p>
+        </p:txBody>
+      </p:sp>
+      <p:sp>
+        <p:nvSpPr>
+          <p:cNvPr id="6" name="TextBox 5">
+            <a:extLst>
+              <a:ext uri="{FF2B5EF4-FFF2-40B4-BE49-F238E27FC236}">
+                <a16:creationId xmlns:a16="http://schemas.microsoft.com/office/drawing/2014/main" id="{E1368076-C56B-6E41-A69F-36549EB5ED5E}"/>
+              </a:ext>
+            </a:extLst>
+          </p:cNvPr>
+          <p:cNvSpPr txBox="1"/>
+          <p:nvPr/>
+        </p:nvSpPr>
+        <p:spPr>
+          <a:xfrm>
+            <a:off x="7823245" y="1621413"/>
+            <a:ext cx="2042981" cy="369332"/>
+          </a:xfrm>
+          <a:prstGeom prst="rect">
+            <a:avLst/>
+          </a:prstGeom>
+          <a:solidFill>
+            <a:schemeClr val="accent4">
+              <a:lumMod val="40000"/>
+              <a:lumOff val="60000"/>
+            </a:schemeClr>
+          </a:solidFill>
+          <a:ln w="57150">
+            <a:solidFill>
+              <a:schemeClr val="tx1"/>
+            </a:solidFill>
+          </a:ln>
+        </p:spPr>
+        <p:style>
+          <a:lnRef idx="2">
+            <a:schemeClr val="accent1"/>
+          </a:lnRef>
+          <a:fillRef idx="1">
+            <a:schemeClr val="lt1"/>
+          </a:fillRef>
+          <a:effectRef idx="0">
+            <a:schemeClr val="accent1"/>
+          </a:effectRef>
+          <a:fontRef idx="minor">
+            <a:schemeClr val="dk1"/>
+          </a:fontRef>
+        </p:style>
+        <p:txBody>
+          <a:bodyPr wrap="square" rtlCol="0">
+            <a:spAutoFit/>
+          </a:bodyPr>
+          <a:lstStyle/>
+          <a:p>
+            <a:pPr algn="ctr"/>
+            <a:r>
+              <a:rPr lang="en-US" b="1" dirty="0"/>
+              <a:t>UNSUPERVISED</a:t>
+            </a:r>
+          </a:p>
+        </p:txBody>
+      </p:sp>
+      <p:sp>
+        <p:nvSpPr>
+          <p:cNvPr id="7" name="TextBox 6">
+            <a:extLst>
+              <a:ext uri="{FF2B5EF4-FFF2-40B4-BE49-F238E27FC236}">
+                <a16:creationId xmlns:a16="http://schemas.microsoft.com/office/drawing/2014/main" id="{7F9B6321-73F2-F54D-9ED7-2F5F4C23B83E}"/>
+              </a:ext>
+            </a:extLst>
+          </p:cNvPr>
+          <p:cNvSpPr txBox="1"/>
+          <p:nvPr/>
+        </p:nvSpPr>
+        <p:spPr>
+          <a:xfrm>
+            <a:off x="2020329" y="2359967"/>
+            <a:ext cx="2644345" cy="369332"/>
+          </a:xfrm>
+          <a:prstGeom prst="rect">
+            <a:avLst/>
+          </a:prstGeom>
+          <a:ln>
+            <a:noFill/>
+          </a:ln>
+        </p:spPr>
+        <p:style>
+          <a:lnRef idx="2">
+            <a:schemeClr val="accent1"/>
+          </a:lnRef>
+          <a:fillRef idx="1">
+            <a:schemeClr val="lt1"/>
+          </a:fillRef>
+          <a:effectRef idx="0">
+            <a:schemeClr val="accent1"/>
+          </a:effectRef>
+          <a:fontRef idx="minor">
+            <a:schemeClr val="dk1"/>
+          </a:fontRef>
+        </p:style>
+        <p:txBody>
+          <a:bodyPr wrap="square" rtlCol="0">
+            <a:spAutoFit/>
+          </a:bodyPr>
+          <a:lstStyle/>
+          <a:p>
+            <a:pPr algn="ctr"/>
+            <a:r>
+              <a:rPr lang="en-US" b="1" i="1" dirty="0"/>
+              <a:t>You want to predict a …</a:t>
+            </a:r>
+          </a:p>
+        </p:txBody>
+      </p:sp>
+      <p:sp>
+        <p:nvSpPr>
+          <p:cNvPr id="8" name="TextBox 7">
+            <a:extLst>
+              <a:ext uri="{FF2B5EF4-FFF2-40B4-BE49-F238E27FC236}">
+                <a16:creationId xmlns:a16="http://schemas.microsoft.com/office/drawing/2014/main" id="{F3DE9864-BC25-0C49-9E91-7A2B688E5EF3}"/>
+              </a:ext>
+            </a:extLst>
+          </p:cNvPr>
+          <p:cNvSpPr txBox="1"/>
+          <p:nvPr/>
+        </p:nvSpPr>
+        <p:spPr>
+          <a:xfrm>
+            <a:off x="7047474" y="2359108"/>
+            <a:ext cx="3604052" cy="369332"/>
+          </a:xfrm>
+          <a:prstGeom prst="rect">
+            <a:avLst/>
+          </a:prstGeom>
+          <a:ln>
+            <a:noFill/>
+          </a:ln>
+        </p:spPr>
+        <p:style>
+          <a:lnRef idx="2">
+            <a:schemeClr val="accent1"/>
+          </a:lnRef>
+          <a:fillRef idx="1">
+            <a:schemeClr val="lt1"/>
+          </a:fillRef>
+          <a:effectRef idx="0">
+            <a:schemeClr val="accent1"/>
+          </a:effectRef>
+          <a:fontRef idx="minor">
+            <a:schemeClr val="dk1"/>
+          </a:fontRef>
+        </p:style>
+        <p:txBody>
+          <a:bodyPr wrap="square" rtlCol="0">
+            <a:spAutoFit/>
+          </a:bodyPr>
+          <a:lstStyle/>
+          <a:p>
+            <a:pPr algn="ctr"/>
+            <a:r>
+              <a:rPr lang="en-US" b="1" i="1" dirty="0"/>
+              <a:t>Do you want to group the data ? </a:t>
+            </a:r>
+          </a:p>
+        </p:txBody>
+      </p:sp>
+      <p:cxnSp>
+        <p:nvCxnSpPr>
+          <p:cNvPr id="11" name="Elbow Connector 10">
+            <a:extLst>
+              <a:ext uri="{FF2B5EF4-FFF2-40B4-BE49-F238E27FC236}">
+                <a16:creationId xmlns:a16="http://schemas.microsoft.com/office/drawing/2014/main" id="{3F7F1214-25E1-7240-AB5C-FB749E9990C4}"/>
+              </a:ext>
+            </a:extLst>
+          </p:cNvPr>
+          <p:cNvCxnSpPr>
+            <a:cxnSpLocks/>
+            <a:stCxn id="7" idx="2"/>
+            <a:endCxn id="13" idx="0"/>
+          </p:cNvCxnSpPr>
+          <p:nvPr/>
+        </p:nvCxnSpPr>
+        <p:spPr>
+          <a:xfrm rot="5400000">
+            <a:off x="2256589" y="2343086"/>
+            <a:ext cx="699701" cy="1472126"/>
+          </a:xfrm>
+          <a:prstGeom prst="bentConnector3">
+            <a:avLst>
+              <a:gd name="adj1" fmla="val 50000"/>
+            </a:avLst>
+          </a:prstGeom>
+          <a:ln w="38100">
+            <a:solidFill>
+              <a:schemeClr val="tx1"/>
+            </a:solidFill>
+            <a:tailEnd type="triangle"/>
+          </a:ln>
+        </p:spPr>
+        <p:style>
+          <a:lnRef idx="1">
+            <a:schemeClr val="accent1"/>
+          </a:lnRef>
+          <a:fillRef idx="0">
+            <a:schemeClr val="accent1"/>
+          </a:fillRef>
+          <a:effectRef idx="0">
+            <a:schemeClr val="accent1"/>
+          </a:effectRef>
+          <a:fontRef idx="minor">
+            <a:schemeClr val="tx1"/>
+          </a:fontRef>
+        </p:style>
+      </p:cxnSp>
+      <p:sp>
+        <p:nvSpPr>
+          <p:cNvPr id="12" name="TextBox 11">
+            <a:extLst>
+              <a:ext uri="{FF2B5EF4-FFF2-40B4-BE49-F238E27FC236}">
+                <a16:creationId xmlns:a16="http://schemas.microsoft.com/office/drawing/2014/main" id="{698690FD-6A17-BD4C-A789-658F2E1952A7}"/>
+              </a:ext>
+            </a:extLst>
+          </p:cNvPr>
+          <p:cNvSpPr txBox="1"/>
+          <p:nvPr/>
+        </p:nvSpPr>
+        <p:spPr>
+          <a:xfrm>
+            <a:off x="3828278" y="3429000"/>
+            <a:ext cx="1947735" cy="369332"/>
+          </a:xfrm>
+          <a:prstGeom prst="rect">
+            <a:avLst/>
+          </a:prstGeom>
+          <a:solidFill>
+            <a:schemeClr val="accent2">
+              <a:lumMod val="40000"/>
+              <a:lumOff val="60000"/>
+            </a:schemeClr>
+          </a:solidFill>
+          <a:ln w="38100">
+            <a:solidFill>
+              <a:schemeClr val="accent2">
+                <a:lumMod val="50000"/>
+              </a:schemeClr>
+            </a:solidFill>
+          </a:ln>
+        </p:spPr>
+        <p:style>
+          <a:lnRef idx="2">
+            <a:schemeClr val="accent1"/>
+          </a:lnRef>
+          <a:fillRef idx="1">
+            <a:schemeClr val="lt1"/>
+          </a:fillRef>
+          <a:effectRef idx="0">
+            <a:schemeClr val="accent1"/>
+          </a:effectRef>
+          <a:fontRef idx="minor">
+            <a:schemeClr val="dk1"/>
+          </a:fontRef>
+        </p:style>
+        <p:txBody>
+          <a:bodyPr wrap="square" rtlCol="0">
+            <a:spAutoFit/>
+          </a:bodyPr>
+          <a:lstStyle/>
+          <a:p>
+            <a:pPr algn="ctr"/>
+            <a:r>
+              <a:rPr lang="en-US" dirty="0"/>
+              <a:t>Classification</a:t>
+            </a:r>
+          </a:p>
+        </p:txBody>
+      </p:sp>
+      <p:sp>
+        <p:nvSpPr>
+          <p:cNvPr id="13" name="TextBox 12">
+            <a:extLst>
+              <a:ext uri="{FF2B5EF4-FFF2-40B4-BE49-F238E27FC236}">
+                <a16:creationId xmlns:a16="http://schemas.microsoft.com/office/drawing/2014/main" id="{C9F63508-7A66-4245-ADE3-803ADC486FC3}"/>
+              </a:ext>
+            </a:extLst>
+          </p:cNvPr>
+          <p:cNvSpPr txBox="1"/>
+          <p:nvPr/>
+        </p:nvSpPr>
+        <p:spPr>
+          <a:xfrm>
+            <a:off x="1012869" y="3429000"/>
+            <a:ext cx="1715014" cy="369332"/>
+          </a:xfrm>
+          <a:prstGeom prst="rect">
+            <a:avLst/>
+          </a:prstGeom>
+          <a:solidFill>
+            <a:schemeClr val="accent2">
+              <a:lumMod val="40000"/>
+              <a:lumOff val="60000"/>
+            </a:schemeClr>
+          </a:solidFill>
+          <a:ln w="38100">
+            <a:solidFill>
+              <a:schemeClr val="accent2">
+                <a:lumMod val="50000"/>
+              </a:schemeClr>
+            </a:solidFill>
+          </a:ln>
+        </p:spPr>
+        <p:style>
+          <a:lnRef idx="2">
+            <a:schemeClr val="accent1"/>
+          </a:lnRef>
+          <a:fillRef idx="1">
+            <a:schemeClr val="lt1"/>
+          </a:fillRef>
+          <a:effectRef idx="0">
+            <a:schemeClr val="accent1"/>
+          </a:effectRef>
+          <a:fontRef idx="minor">
+            <a:schemeClr val="dk1"/>
+          </a:fontRef>
+        </p:style>
+        <p:txBody>
+          <a:bodyPr wrap="square" rtlCol="0">
+            <a:spAutoFit/>
+          </a:bodyPr>
+          <a:lstStyle/>
+          <a:p>
+            <a:pPr algn="ctr"/>
+            <a:r>
+              <a:rPr lang="en-US" dirty="0"/>
+              <a:t>Regression</a:t>
+            </a:r>
+          </a:p>
+        </p:txBody>
+      </p:sp>
+      <p:cxnSp>
+        <p:nvCxnSpPr>
+          <p:cNvPr id="15" name="Elbow Connector 14">
+            <a:extLst>
+              <a:ext uri="{FF2B5EF4-FFF2-40B4-BE49-F238E27FC236}">
+                <a16:creationId xmlns:a16="http://schemas.microsoft.com/office/drawing/2014/main" id="{E0174620-FA5A-C74C-8B78-6F48E2862BE6}"/>
+              </a:ext>
+            </a:extLst>
+          </p:cNvPr>
+          <p:cNvCxnSpPr>
+            <a:cxnSpLocks/>
+            <a:stCxn id="7" idx="2"/>
+            <a:endCxn id="12" idx="0"/>
+          </p:cNvCxnSpPr>
+          <p:nvPr/>
+        </p:nvCxnSpPr>
+        <p:spPr>
+          <a:xfrm rot="16200000" flipH="1">
+            <a:off x="3722474" y="2349327"/>
+            <a:ext cx="699701" cy="1459644"/>
+          </a:xfrm>
+          <a:prstGeom prst="bentConnector3">
+            <a:avLst>
+              <a:gd name="adj1" fmla="val 50000"/>
+            </a:avLst>
+          </a:prstGeom>
+          <a:ln w="38100">
+            <a:solidFill>
+              <a:schemeClr val="tx1"/>
+            </a:solidFill>
+            <a:tailEnd type="triangle"/>
+          </a:ln>
+        </p:spPr>
+        <p:style>
+          <a:lnRef idx="1">
+            <a:schemeClr val="accent1"/>
+          </a:lnRef>
+          <a:fillRef idx="0">
+            <a:schemeClr val="accent1"/>
+          </a:fillRef>
+          <a:effectRef idx="0">
+            <a:schemeClr val="accent1"/>
+          </a:effectRef>
+          <a:fontRef idx="minor">
+            <a:schemeClr val="tx1"/>
+          </a:fontRef>
+        </p:style>
+      </p:cxnSp>
+      <p:cxnSp>
+        <p:nvCxnSpPr>
+          <p:cNvPr id="25" name="Straight Connector 24">
+            <a:extLst>
+              <a:ext uri="{FF2B5EF4-FFF2-40B4-BE49-F238E27FC236}">
+                <a16:creationId xmlns:a16="http://schemas.microsoft.com/office/drawing/2014/main" id="{D7F4002D-89B9-3F40-8521-1DAD885014BC}"/>
+              </a:ext>
+            </a:extLst>
+          </p:cNvPr>
+          <p:cNvCxnSpPr>
+            <a:stCxn id="5" idx="2"/>
+            <a:endCxn id="7" idx="0"/>
+          </p:cNvCxnSpPr>
+          <p:nvPr/>
+        </p:nvCxnSpPr>
+        <p:spPr>
+          <a:xfrm>
+            <a:off x="3342502" y="1989438"/>
+            <a:ext cx="0" cy="370529"/>
+          </a:xfrm>
+          <a:prstGeom prst="line">
+            <a:avLst/>
+          </a:prstGeom>
+          <a:ln w="38100">
+            <a:solidFill>
+              <a:schemeClr val="tx1"/>
+            </a:solidFill>
+          </a:ln>
+        </p:spPr>
+        <p:style>
+          <a:lnRef idx="1">
+            <a:schemeClr val="accent1"/>
+          </a:lnRef>
+          <a:fillRef idx="0">
+            <a:schemeClr val="accent1"/>
+          </a:fillRef>
+          <a:effectRef idx="0">
+            <a:schemeClr val="accent1"/>
+          </a:effectRef>
+          <a:fontRef idx="minor">
+            <a:schemeClr val="tx1"/>
+          </a:fontRef>
+        </p:style>
+      </p:cxnSp>
+      <p:cxnSp>
+        <p:nvCxnSpPr>
+          <p:cNvPr id="26" name="Straight Connector 25">
+            <a:extLst>
+              <a:ext uri="{FF2B5EF4-FFF2-40B4-BE49-F238E27FC236}">
+                <a16:creationId xmlns:a16="http://schemas.microsoft.com/office/drawing/2014/main" id="{63A482DA-0136-A046-93BD-B8A638CDA95F}"/>
+              </a:ext>
+            </a:extLst>
+          </p:cNvPr>
+          <p:cNvCxnSpPr>
+            <a:cxnSpLocks/>
+            <a:stCxn id="6" idx="2"/>
+            <a:endCxn id="8" idx="0"/>
+          </p:cNvCxnSpPr>
+          <p:nvPr/>
+        </p:nvCxnSpPr>
+        <p:spPr>
+          <a:xfrm>
+            <a:off x="8844736" y="1990745"/>
+            <a:ext cx="4764" cy="368363"/>
+          </a:xfrm>
+          <a:prstGeom prst="line">
+            <a:avLst/>
+          </a:prstGeom>
+          <a:ln w="38100">
+            <a:solidFill>
+              <a:schemeClr val="tx1"/>
+            </a:solidFill>
+          </a:ln>
+        </p:spPr>
+        <p:style>
+          <a:lnRef idx="1">
+            <a:schemeClr val="accent1"/>
+          </a:lnRef>
+          <a:fillRef idx="0">
+            <a:schemeClr val="accent1"/>
+          </a:fillRef>
+          <a:effectRef idx="0">
+            <a:schemeClr val="accent1"/>
+          </a:effectRef>
+          <a:fontRef idx="minor">
+            <a:schemeClr val="tx1"/>
+          </a:fontRef>
+        </p:style>
+      </p:cxnSp>
+      <p:cxnSp>
+        <p:nvCxnSpPr>
+          <p:cNvPr id="27" name="Elbow Connector 26">
+            <a:extLst>
+              <a:ext uri="{FF2B5EF4-FFF2-40B4-BE49-F238E27FC236}">
+                <a16:creationId xmlns:a16="http://schemas.microsoft.com/office/drawing/2014/main" id="{80C0216C-C3E6-604F-85C3-26406C2D88DC}"/>
+              </a:ext>
+            </a:extLst>
+          </p:cNvPr>
+          <p:cNvCxnSpPr>
+            <a:cxnSpLocks/>
+            <a:stCxn id="8" idx="2"/>
+            <a:endCxn id="29" idx="0"/>
+          </p:cNvCxnSpPr>
+          <p:nvPr/>
+        </p:nvCxnSpPr>
+        <p:spPr>
+          <a:xfrm rot="5400000">
+            <a:off x="7715306" y="2156306"/>
+            <a:ext cx="562060" cy="1706328"/>
+          </a:xfrm>
+          <a:prstGeom prst="bentConnector3">
+            <a:avLst>
+              <a:gd name="adj1" fmla="val 50000"/>
+            </a:avLst>
+          </a:prstGeom>
+          <a:ln w="38100">
+            <a:solidFill>
+              <a:schemeClr val="tx1"/>
+            </a:solidFill>
+            <a:tailEnd type="triangle"/>
+          </a:ln>
+        </p:spPr>
+        <p:style>
+          <a:lnRef idx="1">
+            <a:schemeClr val="accent1"/>
+          </a:lnRef>
+          <a:fillRef idx="0">
+            <a:schemeClr val="accent1"/>
+          </a:fillRef>
+          <a:effectRef idx="0">
+            <a:schemeClr val="accent1"/>
+          </a:effectRef>
+          <a:fontRef idx="minor">
+            <a:schemeClr val="tx1"/>
+          </a:fontRef>
+        </p:style>
+      </p:cxnSp>
+      <p:sp>
+        <p:nvSpPr>
+          <p:cNvPr id="28" name="TextBox 27">
+            <a:extLst>
+              <a:ext uri="{FF2B5EF4-FFF2-40B4-BE49-F238E27FC236}">
+                <a16:creationId xmlns:a16="http://schemas.microsoft.com/office/drawing/2014/main" id="{DF5C3ADF-D4D7-3D4D-BA01-159BE816FA8D}"/>
+              </a:ext>
+            </a:extLst>
+          </p:cNvPr>
+          <p:cNvSpPr txBox="1"/>
+          <p:nvPr/>
+        </p:nvSpPr>
+        <p:spPr>
+          <a:xfrm>
+            <a:off x="9602683" y="3290500"/>
+            <a:ext cx="1947735" cy="646331"/>
+          </a:xfrm>
+          <a:prstGeom prst="rect">
+            <a:avLst/>
+          </a:prstGeom>
+          <a:solidFill>
+            <a:schemeClr val="accent2">
+              <a:lumMod val="40000"/>
+              <a:lumOff val="60000"/>
+            </a:schemeClr>
+          </a:solidFill>
+          <a:ln w="38100">
+            <a:solidFill>
+              <a:schemeClr val="accent2">
+                <a:lumMod val="50000"/>
+              </a:schemeClr>
+            </a:solidFill>
+          </a:ln>
+        </p:spPr>
+        <p:style>
+          <a:lnRef idx="2">
+            <a:schemeClr val="accent1"/>
+          </a:lnRef>
+          <a:fillRef idx="1">
+            <a:schemeClr val="lt1"/>
+          </a:fillRef>
+          <a:effectRef idx="0">
+            <a:schemeClr val="accent1"/>
+          </a:effectRef>
+          <a:fontRef idx="minor">
+            <a:schemeClr val="dk1"/>
+          </a:fontRef>
+        </p:style>
+        <p:txBody>
+          <a:bodyPr wrap="square" rtlCol="0">
+            <a:spAutoFit/>
+          </a:bodyPr>
+          <a:lstStyle/>
+          <a:p>
+            <a:pPr algn="ctr"/>
+            <a:r>
+              <a:rPr lang="en-US" dirty="0"/>
+              <a:t>Dimensionality Reduction</a:t>
+            </a:r>
+          </a:p>
+        </p:txBody>
+      </p:sp>
+      <p:sp>
+        <p:nvSpPr>
+          <p:cNvPr id="29" name="TextBox 28">
+            <a:extLst>
+              <a:ext uri="{FF2B5EF4-FFF2-40B4-BE49-F238E27FC236}">
+                <a16:creationId xmlns:a16="http://schemas.microsoft.com/office/drawing/2014/main" id="{49D36E26-4624-BE47-86B7-77E07A554E9A}"/>
+              </a:ext>
+            </a:extLst>
+          </p:cNvPr>
+          <p:cNvSpPr txBox="1"/>
+          <p:nvPr/>
+        </p:nvSpPr>
+        <p:spPr>
+          <a:xfrm>
+            <a:off x="6331616" y="3290500"/>
+            <a:ext cx="1623112" cy="646331"/>
+          </a:xfrm>
+          <a:prstGeom prst="rect">
+            <a:avLst/>
+          </a:prstGeom>
+          <a:solidFill>
+            <a:schemeClr val="accent2">
+              <a:lumMod val="40000"/>
+              <a:lumOff val="60000"/>
+            </a:schemeClr>
+          </a:solidFill>
+          <a:ln w="38100">
+            <a:solidFill>
+              <a:schemeClr val="accent2">
+                <a:lumMod val="50000"/>
+              </a:schemeClr>
+            </a:solidFill>
+          </a:ln>
+        </p:spPr>
+        <p:style>
+          <a:lnRef idx="2">
+            <a:schemeClr val="accent1"/>
+          </a:lnRef>
+          <a:fillRef idx="1">
+            <a:schemeClr val="lt1"/>
+          </a:fillRef>
+          <a:effectRef idx="0">
+            <a:schemeClr val="accent1"/>
+          </a:effectRef>
+          <a:fontRef idx="minor">
+            <a:schemeClr val="dk1"/>
+          </a:fontRef>
+        </p:style>
+        <p:txBody>
+          <a:bodyPr wrap="square" rtlCol="0">
+            <a:spAutoFit/>
+          </a:bodyPr>
+          <a:lstStyle/>
+          <a:p>
+            <a:pPr algn="ctr"/>
+            <a:r>
+              <a:rPr lang="en-US" dirty="0"/>
+              <a:t>Cluster Analysis</a:t>
+            </a:r>
+          </a:p>
+        </p:txBody>
+      </p:sp>
+      <p:cxnSp>
+        <p:nvCxnSpPr>
+          <p:cNvPr id="30" name="Elbow Connector 29">
+            <a:extLst>
+              <a:ext uri="{FF2B5EF4-FFF2-40B4-BE49-F238E27FC236}">
+                <a16:creationId xmlns:a16="http://schemas.microsoft.com/office/drawing/2014/main" id="{57E7C768-CD38-2445-891C-985A22859348}"/>
+              </a:ext>
+            </a:extLst>
+          </p:cNvPr>
+          <p:cNvCxnSpPr>
+            <a:cxnSpLocks/>
+            <a:stCxn id="8" idx="2"/>
+            <a:endCxn id="28" idx="0"/>
+          </p:cNvCxnSpPr>
+          <p:nvPr/>
+        </p:nvCxnSpPr>
+        <p:spPr>
+          <a:xfrm rot="16200000" flipH="1">
+            <a:off x="9431995" y="2145944"/>
+            <a:ext cx="562060" cy="1727051"/>
+          </a:xfrm>
+          <a:prstGeom prst="bentConnector3">
+            <a:avLst>
+              <a:gd name="adj1" fmla="val 50000"/>
+            </a:avLst>
+          </a:prstGeom>
+          <a:ln w="38100">
+            <a:solidFill>
+              <a:schemeClr val="tx1"/>
+            </a:solidFill>
+            <a:tailEnd type="triangle"/>
+          </a:ln>
+        </p:spPr>
+        <p:style>
+          <a:lnRef idx="1">
+            <a:schemeClr val="accent1"/>
+          </a:lnRef>
+          <a:fillRef idx="0">
+            <a:schemeClr val="accent1"/>
+          </a:fillRef>
+          <a:effectRef idx="0">
+            <a:schemeClr val="accent1"/>
+          </a:effectRef>
+          <a:fontRef idx="minor">
+            <a:schemeClr val="tx1"/>
+          </a:fontRef>
+        </p:style>
+      </p:cxnSp>
+      <p:cxnSp>
+        <p:nvCxnSpPr>
+          <p:cNvPr id="37" name="Elbow Connector 36">
+            <a:extLst>
+              <a:ext uri="{FF2B5EF4-FFF2-40B4-BE49-F238E27FC236}">
+                <a16:creationId xmlns:a16="http://schemas.microsoft.com/office/drawing/2014/main" id="{396B9F13-8EC7-4542-90E1-2AB243C74AB8}"/>
+              </a:ext>
+            </a:extLst>
+          </p:cNvPr>
+          <p:cNvCxnSpPr>
+            <a:cxnSpLocks/>
+            <a:stCxn id="4" idx="2"/>
+            <a:endCxn id="5" idx="0"/>
+          </p:cNvCxnSpPr>
+          <p:nvPr/>
+        </p:nvCxnSpPr>
+        <p:spPr>
+          <a:xfrm rot="5400000">
+            <a:off x="4525258" y="49363"/>
+            <a:ext cx="387987" cy="2753498"/>
+          </a:xfrm>
+          <a:prstGeom prst="bentConnector3">
+            <a:avLst>
+              <a:gd name="adj1" fmla="val 50000"/>
+            </a:avLst>
+          </a:prstGeom>
+          <a:ln w="38100">
+            <a:solidFill>
+              <a:schemeClr val="tx1"/>
+            </a:solidFill>
+            <a:tailEnd type="triangle"/>
+          </a:ln>
+        </p:spPr>
+        <p:style>
+          <a:lnRef idx="1">
+            <a:schemeClr val="accent1"/>
+          </a:lnRef>
+          <a:fillRef idx="0">
+            <a:schemeClr val="accent1"/>
+          </a:fillRef>
+          <a:effectRef idx="0">
+            <a:schemeClr val="accent1"/>
+          </a:effectRef>
+          <a:fontRef idx="minor">
+            <a:schemeClr val="tx1"/>
+          </a:fontRef>
+        </p:style>
+      </p:cxnSp>
+      <p:cxnSp>
+        <p:nvCxnSpPr>
+          <p:cNvPr id="41" name="Elbow Connector 40">
+            <a:extLst>
+              <a:ext uri="{FF2B5EF4-FFF2-40B4-BE49-F238E27FC236}">
+                <a16:creationId xmlns:a16="http://schemas.microsoft.com/office/drawing/2014/main" id="{436B2D94-1F08-E448-9194-6353C745E74D}"/>
+              </a:ext>
+            </a:extLst>
+          </p:cNvPr>
+          <p:cNvCxnSpPr>
+            <a:cxnSpLocks/>
+            <a:stCxn id="4" idx="2"/>
+            <a:endCxn id="6" idx="0"/>
+          </p:cNvCxnSpPr>
+          <p:nvPr/>
+        </p:nvCxnSpPr>
+        <p:spPr>
+          <a:xfrm rot="16200000" flipH="1">
+            <a:off x="7275721" y="52398"/>
+            <a:ext cx="389294" cy="2748736"/>
+          </a:xfrm>
+          <a:prstGeom prst="bentConnector3">
+            <a:avLst>
+              <a:gd name="adj1" fmla="val 50000"/>
+            </a:avLst>
+          </a:prstGeom>
+          <a:ln w="38100">
+            <a:solidFill>
+              <a:schemeClr val="tx1"/>
+            </a:solidFill>
+            <a:tailEnd type="triangle"/>
+          </a:ln>
+        </p:spPr>
+        <p:style>
+          <a:lnRef idx="1">
+            <a:schemeClr val="accent1"/>
+          </a:lnRef>
+          <a:fillRef idx="0">
+            <a:schemeClr val="accent1"/>
+          </a:fillRef>
+          <a:effectRef idx="0">
+            <a:schemeClr val="accent1"/>
+          </a:effectRef>
+          <a:fontRef idx="minor">
+            <a:schemeClr val="tx1"/>
+          </a:fontRef>
+        </p:style>
+      </p:cxnSp>
+      <p:sp>
+        <p:nvSpPr>
+          <p:cNvPr id="45" name="TextBox 44">
+            <a:extLst>
+              <a:ext uri="{FF2B5EF4-FFF2-40B4-BE49-F238E27FC236}">
+                <a16:creationId xmlns:a16="http://schemas.microsoft.com/office/drawing/2014/main" id="{88F3BFEA-9BC5-F144-9B99-F2DA7D643653}"/>
+              </a:ext>
+            </a:extLst>
+          </p:cNvPr>
+          <p:cNvSpPr txBox="1"/>
+          <p:nvPr/>
+        </p:nvSpPr>
+        <p:spPr>
+          <a:xfrm>
+            <a:off x="4115060" y="1083783"/>
+            <a:ext cx="592350" cy="369332"/>
+          </a:xfrm>
+          <a:prstGeom prst="rect">
+            <a:avLst/>
+          </a:prstGeom>
+          <a:noFill/>
+        </p:spPr>
+        <p:txBody>
+          <a:bodyPr wrap="square" rtlCol="0">
+            <a:spAutoFit/>
+          </a:bodyPr>
+          <a:lstStyle/>
+          <a:p>
+            <a:pPr algn="ctr"/>
+            <a:r>
+              <a:rPr lang="en-US" b="1" dirty="0"/>
+              <a:t>YES</a:t>
+            </a:r>
+          </a:p>
+        </p:txBody>
+      </p:sp>
+      <p:sp>
+        <p:nvSpPr>
+          <p:cNvPr id="46" name="TextBox 45">
+            <a:extLst>
+              <a:ext uri="{FF2B5EF4-FFF2-40B4-BE49-F238E27FC236}">
+                <a16:creationId xmlns:a16="http://schemas.microsoft.com/office/drawing/2014/main" id="{72EC89CA-C4EF-5E47-AC39-E9FB0D99CB50}"/>
+              </a:ext>
+            </a:extLst>
+          </p:cNvPr>
+          <p:cNvSpPr txBox="1"/>
+          <p:nvPr/>
+        </p:nvSpPr>
+        <p:spPr>
+          <a:xfrm>
+            <a:off x="7484590" y="1088868"/>
+            <a:ext cx="592350" cy="369332"/>
+          </a:xfrm>
+          <a:prstGeom prst="rect">
+            <a:avLst/>
+          </a:prstGeom>
+          <a:noFill/>
+        </p:spPr>
+        <p:txBody>
+          <a:bodyPr wrap="square" rtlCol="0">
+            <a:spAutoFit/>
+          </a:bodyPr>
+          <a:lstStyle/>
+          <a:p>
+            <a:pPr algn="ctr"/>
+            <a:r>
+              <a:rPr lang="en-US" b="1" dirty="0"/>
+              <a:t>NO</a:t>
+            </a:r>
+          </a:p>
+        </p:txBody>
+      </p:sp>
+      <p:sp>
+        <p:nvSpPr>
+          <p:cNvPr id="47" name="TextBox 46">
+            <a:extLst>
+              <a:ext uri="{FF2B5EF4-FFF2-40B4-BE49-F238E27FC236}">
+                <a16:creationId xmlns:a16="http://schemas.microsoft.com/office/drawing/2014/main" id="{F13F72D2-3E8C-2A45-AD20-7DF70C4B54CE}"/>
+              </a:ext>
+            </a:extLst>
+          </p:cNvPr>
+          <p:cNvSpPr txBox="1"/>
+          <p:nvPr/>
+        </p:nvSpPr>
+        <p:spPr>
+          <a:xfrm>
+            <a:off x="1998099" y="2762506"/>
+            <a:ext cx="1472126" cy="338554"/>
+          </a:xfrm>
+          <a:prstGeom prst="rect">
+            <a:avLst/>
+          </a:prstGeom>
+          <a:noFill/>
+        </p:spPr>
+        <p:txBody>
+          <a:bodyPr wrap="square" rtlCol="0">
+            <a:spAutoFit/>
+          </a:bodyPr>
+          <a:lstStyle/>
+          <a:p>
+            <a:pPr algn="ctr"/>
+            <a:r>
+              <a:rPr lang="en-US" sz="1600" dirty="0"/>
+              <a:t>Quantity</a:t>
+            </a:r>
+            <a:endParaRPr lang="en-US" dirty="0"/>
+          </a:p>
+        </p:txBody>
+      </p:sp>
+      <p:sp>
+        <p:nvSpPr>
+          <p:cNvPr id="48" name="TextBox 47">
+            <a:extLst>
+              <a:ext uri="{FF2B5EF4-FFF2-40B4-BE49-F238E27FC236}">
+                <a16:creationId xmlns:a16="http://schemas.microsoft.com/office/drawing/2014/main" id="{4CB6C1FA-EE03-034B-A7CF-5DCAD3774325}"/>
+              </a:ext>
+            </a:extLst>
+          </p:cNvPr>
+          <p:cNvSpPr txBox="1"/>
+          <p:nvPr/>
+        </p:nvSpPr>
+        <p:spPr>
+          <a:xfrm>
+            <a:off x="3298101" y="2765510"/>
+            <a:ext cx="1472126" cy="338554"/>
+          </a:xfrm>
+          <a:prstGeom prst="rect">
+            <a:avLst/>
+          </a:prstGeom>
+          <a:noFill/>
+        </p:spPr>
+        <p:txBody>
+          <a:bodyPr wrap="square" rtlCol="0">
+            <a:spAutoFit/>
+          </a:bodyPr>
+          <a:lstStyle/>
+          <a:p>
+            <a:pPr algn="ctr"/>
+            <a:r>
+              <a:rPr lang="en-US" sz="1600" dirty="0"/>
+              <a:t>Category</a:t>
+            </a:r>
+            <a:endParaRPr lang="en-US" dirty="0"/>
+          </a:p>
+        </p:txBody>
+      </p:sp>
+      <p:sp>
+        <p:nvSpPr>
+          <p:cNvPr id="49" name="TextBox 48">
+            <a:extLst>
+              <a:ext uri="{FF2B5EF4-FFF2-40B4-BE49-F238E27FC236}">
+                <a16:creationId xmlns:a16="http://schemas.microsoft.com/office/drawing/2014/main" id="{E6760340-2895-7340-B8A2-2DFE2D6BB3BD}"/>
+              </a:ext>
+            </a:extLst>
+          </p:cNvPr>
+          <p:cNvSpPr txBox="1"/>
+          <p:nvPr/>
+        </p:nvSpPr>
+        <p:spPr>
+          <a:xfrm>
+            <a:off x="7360253" y="2728439"/>
+            <a:ext cx="1472126" cy="338554"/>
+          </a:xfrm>
+          <a:prstGeom prst="rect">
+            <a:avLst/>
+          </a:prstGeom>
+          <a:noFill/>
+        </p:spPr>
+        <p:txBody>
+          <a:bodyPr wrap="square" rtlCol="0">
+            <a:spAutoFit/>
+          </a:bodyPr>
+          <a:lstStyle/>
+          <a:p>
+            <a:pPr algn="ctr"/>
+            <a:r>
+              <a:rPr lang="en-US" sz="1600" dirty="0"/>
+              <a:t>Yes</a:t>
+            </a:r>
+            <a:endParaRPr lang="en-US" dirty="0"/>
+          </a:p>
+        </p:txBody>
+      </p:sp>
+      <p:sp>
+        <p:nvSpPr>
+          <p:cNvPr id="50" name="TextBox 49">
+            <a:extLst>
+              <a:ext uri="{FF2B5EF4-FFF2-40B4-BE49-F238E27FC236}">
+                <a16:creationId xmlns:a16="http://schemas.microsoft.com/office/drawing/2014/main" id="{94956295-2BC6-8745-9785-16D6DCB693A9}"/>
+              </a:ext>
+            </a:extLst>
+          </p:cNvPr>
+          <p:cNvSpPr txBox="1"/>
+          <p:nvPr/>
+        </p:nvSpPr>
+        <p:spPr>
+          <a:xfrm>
+            <a:off x="8893269" y="2724205"/>
+            <a:ext cx="1472126" cy="338554"/>
+          </a:xfrm>
+          <a:prstGeom prst="rect">
+            <a:avLst/>
+          </a:prstGeom>
+          <a:noFill/>
+        </p:spPr>
+        <p:txBody>
+          <a:bodyPr wrap="square" rtlCol="0">
+            <a:spAutoFit/>
+          </a:bodyPr>
+          <a:lstStyle/>
+          <a:p>
+            <a:pPr algn="ctr"/>
+            <a:r>
+              <a:rPr lang="en-US" sz="1600" dirty="0"/>
+              <a:t>No</a:t>
+            </a:r>
+            <a:endParaRPr lang="en-US" dirty="0"/>
+          </a:p>
+        </p:txBody>
+      </p:sp>
+      <p:sp>
+        <p:nvSpPr>
+          <p:cNvPr id="52" name="Rounded Rectangle 51">
+            <a:extLst>
+              <a:ext uri="{FF2B5EF4-FFF2-40B4-BE49-F238E27FC236}">
+                <a16:creationId xmlns:a16="http://schemas.microsoft.com/office/drawing/2014/main" id="{637B2638-C50C-3744-A81C-3EF7ADF5946A}"/>
+              </a:ext>
+            </a:extLst>
+          </p:cNvPr>
+          <p:cNvSpPr/>
+          <p:nvPr/>
+        </p:nvSpPr>
+        <p:spPr>
+          <a:xfrm>
+            <a:off x="5677743" y="4849796"/>
+            <a:ext cx="898503" cy="399649"/>
+          </a:xfrm>
+          <a:prstGeom prst="roundRect">
+            <a:avLst/>
+          </a:prstGeom>
+          <a:noFill/>
+          <a:ln w="38100">
+            <a:solidFill>
+              <a:schemeClr val="accent6">
+                <a:lumMod val="75000"/>
+              </a:schemeClr>
+            </a:solidFill>
+          </a:ln>
+        </p:spPr>
+        <p:style>
+          <a:lnRef idx="2">
+            <a:schemeClr val="accent1">
+              <a:shade val="50000"/>
+            </a:schemeClr>
+          </a:lnRef>
+          <a:fillRef idx="1">
+            <a:schemeClr val="accent1"/>
+          </a:fillRef>
+          <a:effectRef idx="0">
+            <a:schemeClr val="accent1"/>
+          </a:effectRef>
+          <a:fontRef idx="minor">
+            <a:schemeClr val="lt1"/>
+          </a:fontRef>
+        </p:style>
+        <p:txBody>
+          <a:bodyPr rtlCol="0" anchor="ctr"/>
+          <a:lstStyle/>
+          <a:p>
+            <a:pPr algn="ctr"/>
+            <a:r>
+              <a:rPr lang="en-US" b="1" dirty="0">
+                <a:solidFill>
+                  <a:schemeClr val="accent6">
+                    <a:lumMod val="50000"/>
+                  </a:schemeClr>
+                </a:solidFill>
+              </a:rPr>
+              <a:t>SVM</a:t>
+            </a:r>
+          </a:p>
+        </p:txBody>
+      </p:sp>
+      <p:sp>
+        <p:nvSpPr>
+          <p:cNvPr id="56" name="Rounded Rectangle 55">
+            <a:extLst>
+              <a:ext uri="{FF2B5EF4-FFF2-40B4-BE49-F238E27FC236}">
+                <a16:creationId xmlns:a16="http://schemas.microsoft.com/office/drawing/2014/main" id="{5BA41299-C966-D543-B050-371D1BA5090B}"/>
+              </a:ext>
+            </a:extLst>
+          </p:cNvPr>
+          <p:cNvSpPr/>
+          <p:nvPr/>
+        </p:nvSpPr>
+        <p:spPr>
+          <a:xfrm>
+            <a:off x="3078510" y="5255376"/>
+            <a:ext cx="993814" cy="425192"/>
+          </a:xfrm>
+          <a:prstGeom prst="roundRect">
+            <a:avLst/>
+          </a:prstGeom>
+          <a:noFill/>
+          <a:ln w="38100">
+            <a:solidFill>
+              <a:schemeClr val="accent6">
+                <a:lumMod val="75000"/>
+              </a:schemeClr>
+            </a:solidFill>
+          </a:ln>
+        </p:spPr>
+        <p:style>
+          <a:lnRef idx="2">
+            <a:schemeClr val="accent1">
+              <a:shade val="50000"/>
+            </a:schemeClr>
+          </a:lnRef>
+          <a:fillRef idx="1">
+            <a:schemeClr val="accent1"/>
+          </a:fillRef>
+          <a:effectRef idx="0">
+            <a:schemeClr val="accent1"/>
+          </a:effectRef>
+          <a:fontRef idx="minor">
+            <a:schemeClr val="lt1"/>
+          </a:fontRef>
+        </p:style>
+        <p:txBody>
+          <a:bodyPr rtlCol="0" anchor="ctr"/>
+          <a:lstStyle/>
+          <a:p>
+            <a:pPr algn="ctr"/>
+            <a:r>
+              <a:rPr lang="en-US" b="1" dirty="0">
+                <a:solidFill>
+                  <a:schemeClr val="accent6">
+                    <a:lumMod val="50000"/>
+                  </a:schemeClr>
+                </a:solidFill>
+              </a:rPr>
+              <a:t>KNN</a:t>
+            </a:r>
+          </a:p>
+        </p:txBody>
+      </p:sp>
+      <p:sp>
+        <p:nvSpPr>
+          <p:cNvPr id="57" name="Rounded Rectangle 56">
+            <a:extLst>
+              <a:ext uri="{FF2B5EF4-FFF2-40B4-BE49-F238E27FC236}">
+                <a16:creationId xmlns:a16="http://schemas.microsoft.com/office/drawing/2014/main" id="{358681B3-4EB7-BF44-9FBD-0C182091A694}"/>
+              </a:ext>
+            </a:extLst>
+          </p:cNvPr>
+          <p:cNvSpPr/>
+          <p:nvPr/>
+        </p:nvSpPr>
+        <p:spPr>
+          <a:xfrm>
+            <a:off x="4238628" y="5264193"/>
+            <a:ext cx="1325773" cy="559612"/>
+          </a:xfrm>
+          <a:prstGeom prst="roundRect">
+            <a:avLst/>
+          </a:prstGeom>
+          <a:noFill/>
+          <a:ln w="38100">
+            <a:solidFill>
+              <a:schemeClr val="accent6">
+                <a:lumMod val="75000"/>
+              </a:schemeClr>
+            </a:solidFill>
+          </a:ln>
+        </p:spPr>
+        <p:style>
+          <a:lnRef idx="2">
+            <a:schemeClr val="accent1">
+              <a:shade val="50000"/>
+            </a:schemeClr>
+          </a:lnRef>
+          <a:fillRef idx="1">
+            <a:schemeClr val="accent1"/>
+          </a:fillRef>
+          <a:effectRef idx="0">
+            <a:schemeClr val="accent1"/>
+          </a:effectRef>
+          <a:fontRef idx="minor">
+            <a:schemeClr val="lt1"/>
+          </a:fontRef>
+        </p:style>
+        <p:txBody>
+          <a:bodyPr rtlCol="0" anchor="ctr"/>
+          <a:lstStyle/>
+          <a:p>
+            <a:pPr algn="ctr"/>
+            <a:r>
+              <a:rPr lang="en-US" b="1" dirty="0">
+                <a:solidFill>
+                  <a:schemeClr val="accent6">
+                    <a:lumMod val="50000"/>
+                  </a:schemeClr>
+                </a:solidFill>
+              </a:rPr>
+              <a:t>Logistic Regression</a:t>
+            </a:r>
+          </a:p>
+        </p:txBody>
+      </p:sp>
+      <p:sp>
+        <p:nvSpPr>
+          <p:cNvPr id="59" name="Rounded Rectangle 58">
+            <a:extLst>
+              <a:ext uri="{FF2B5EF4-FFF2-40B4-BE49-F238E27FC236}">
+                <a16:creationId xmlns:a16="http://schemas.microsoft.com/office/drawing/2014/main" id="{82AAB0E2-BB8A-7F4D-8CA0-0D1196336BA6}"/>
+              </a:ext>
+            </a:extLst>
+          </p:cNvPr>
+          <p:cNvSpPr/>
+          <p:nvPr/>
+        </p:nvSpPr>
+        <p:spPr>
+          <a:xfrm>
+            <a:off x="164631" y="4849796"/>
+            <a:ext cx="1325773" cy="559612"/>
+          </a:xfrm>
+          <a:prstGeom prst="roundRect">
+            <a:avLst/>
+          </a:prstGeom>
+          <a:noFill/>
+          <a:ln w="38100">
+            <a:solidFill>
+              <a:schemeClr val="accent6">
+                <a:lumMod val="75000"/>
+              </a:schemeClr>
+            </a:solidFill>
+          </a:ln>
+        </p:spPr>
+        <p:style>
+          <a:lnRef idx="2">
+            <a:schemeClr val="accent1">
+              <a:shade val="50000"/>
+            </a:schemeClr>
+          </a:lnRef>
+          <a:fillRef idx="1">
+            <a:schemeClr val="accent1"/>
+          </a:fillRef>
+          <a:effectRef idx="0">
+            <a:schemeClr val="accent1"/>
+          </a:effectRef>
+          <a:fontRef idx="minor">
+            <a:schemeClr val="lt1"/>
+          </a:fontRef>
+        </p:style>
+        <p:txBody>
+          <a:bodyPr rtlCol="0" anchor="ctr"/>
+          <a:lstStyle/>
+          <a:p>
+            <a:pPr algn="ctr"/>
+            <a:r>
+              <a:rPr lang="en-US" b="1" dirty="0">
+                <a:solidFill>
+                  <a:schemeClr val="accent6">
+                    <a:lumMod val="50000"/>
+                  </a:schemeClr>
+                </a:solidFill>
+              </a:rPr>
+              <a:t>Linear Regression</a:t>
+            </a:r>
+          </a:p>
+        </p:txBody>
+      </p:sp>
+      <p:sp>
+        <p:nvSpPr>
+          <p:cNvPr id="60" name="Rounded Rectangle 59">
+            <a:extLst>
+              <a:ext uri="{FF2B5EF4-FFF2-40B4-BE49-F238E27FC236}">
+                <a16:creationId xmlns:a16="http://schemas.microsoft.com/office/drawing/2014/main" id="{5F3E4682-9849-A84A-8DF2-ED143F603F1C}"/>
+              </a:ext>
+            </a:extLst>
+          </p:cNvPr>
+          <p:cNvSpPr/>
+          <p:nvPr/>
+        </p:nvSpPr>
+        <p:spPr>
+          <a:xfrm>
+            <a:off x="1026516" y="5823805"/>
+            <a:ext cx="993813" cy="406924"/>
+          </a:xfrm>
+          <a:prstGeom prst="roundRect">
+            <a:avLst/>
+          </a:prstGeom>
+          <a:noFill/>
+          <a:ln w="38100">
+            <a:solidFill>
+              <a:schemeClr val="accent6">
+                <a:lumMod val="75000"/>
+              </a:schemeClr>
+            </a:solidFill>
+          </a:ln>
+        </p:spPr>
+        <p:style>
+          <a:lnRef idx="2">
+            <a:schemeClr val="accent1">
+              <a:shade val="50000"/>
+            </a:schemeClr>
+          </a:lnRef>
+          <a:fillRef idx="1">
+            <a:schemeClr val="accent1"/>
+          </a:fillRef>
+          <a:effectRef idx="0">
+            <a:schemeClr val="accent1"/>
+          </a:effectRef>
+          <a:fontRef idx="minor">
+            <a:schemeClr val="lt1"/>
+          </a:fontRef>
+        </p:style>
+        <p:txBody>
+          <a:bodyPr rtlCol="0" anchor="ctr"/>
+          <a:lstStyle/>
+          <a:p>
+            <a:pPr algn="ctr"/>
+            <a:r>
+              <a:rPr lang="en-US" b="1" dirty="0">
+                <a:solidFill>
+                  <a:schemeClr val="accent6">
+                    <a:lumMod val="50000"/>
+                  </a:schemeClr>
+                </a:solidFill>
+              </a:rPr>
+              <a:t>LASSO</a:t>
+            </a:r>
+          </a:p>
+        </p:txBody>
+      </p:sp>
+      <p:sp>
+        <p:nvSpPr>
+          <p:cNvPr id="62" name="Rounded Rectangle 61">
+            <a:extLst>
+              <a:ext uri="{FF2B5EF4-FFF2-40B4-BE49-F238E27FC236}">
+                <a16:creationId xmlns:a16="http://schemas.microsoft.com/office/drawing/2014/main" id="{23251BAA-E293-B04F-90F9-1AD3800FDBD8}"/>
+              </a:ext>
+            </a:extLst>
+          </p:cNvPr>
+          <p:cNvSpPr/>
+          <p:nvPr/>
+        </p:nvSpPr>
+        <p:spPr>
+          <a:xfrm>
+            <a:off x="8320207" y="4702132"/>
+            <a:ext cx="1070989" cy="562061"/>
+          </a:xfrm>
+          <a:prstGeom prst="roundRect">
+            <a:avLst/>
+          </a:prstGeom>
+          <a:noFill/>
+          <a:ln w="38100">
+            <a:solidFill>
+              <a:schemeClr val="accent6">
+                <a:lumMod val="75000"/>
+              </a:schemeClr>
+            </a:solidFill>
+          </a:ln>
+        </p:spPr>
+        <p:style>
+          <a:lnRef idx="2">
+            <a:schemeClr val="accent1">
+              <a:shade val="50000"/>
+            </a:schemeClr>
+          </a:lnRef>
+          <a:fillRef idx="1">
+            <a:schemeClr val="accent1"/>
+          </a:fillRef>
+          <a:effectRef idx="0">
+            <a:schemeClr val="accent1"/>
+          </a:effectRef>
+          <a:fontRef idx="minor">
+            <a:schemeClr val="lt1"/>
+          </a:fontRef>
+        </p:style>
+        <p:txBody>
+          <a:bodyPr rtlCol="0" anchor="ctr"/>
+          <a:lstStyle/>
+          <a:p>
+            <a:pPr algn="ctr"/>
+            <a:r>
+              <a:rPr lang="en-US" b="1" dirty="0">
+                <a:solidFill>
+                  <a:schemeClr val="accent6">
+                    <a:lumMod val="50000"/>
+                  </a:schemeClr>
+                </a:solidFill>
+              </a:rPr>
+              <a:t>K-Means</a:t>
+            </a:r>
+          </a:p>
+        </p:txBody>
+      </p:sp>
+      <p:sp>
+        <p:nvSpPr>
+          <p:cNvPr id="66" name="Rounded Rectangle 65">
+            <a:extLst>
+              <a:ext uri="{FF2B5EF4-FFF2-40B4-BE49-F238E27FC236}">
+                <a16:creationId xmlns:a16="http://schemas.microsoft.com/office/drawing/2014/main" id="{0B2D80D1-3392-9F4C-A0EF-589C368901E6}"/>
+              </a:ext>
+            </a:extLst>
+          </p:cNvPr>
+          <p:cNvSpPr/>
+          <p:nvPr/>
+        </p:nvSpPr>
+        <p:spPr>
+          <a:xfrm>
+            <a:off x="10208250" y="4922140"/>
+            <a:ext cx="736599" cy="414924"/>
+          </a:xfrm>
+          <a:prstGeom prst="roundRect">
+            <a:avLst/>
+          </a:prstGeom>
+          <a:noFill/>
+          <a:ln w="38100">
+            <a:solidFill>
+              <a:schemeClr val="accent6">
+                <a:lumMod val="75000"/>
+              </a:schemeClr>
+            </a:solidFill>
+          </a:ln>
+        </p:spPr>
+        <p:style>
+          <a:lnRef idx="2">
+            <a:schemeClr val="accent1">
+              <a:shade val="50000"/>
+            </a:schemeClr>
+          </a:lnRef>
+          <a:fillRef idx="1">
+            <a:schemeClr val="accent1"/>
+          </a:fillRef>
+          <a:effectRef idx="0">
+            <a:schemeClr val="accent1"/>
+          </a:effectRef>
+          <a:fontRef idx="minor">
+            <a:schemeClr val="lt1"/>
+          </a:fontRef>
+        </p:style>
+        <p:txBody>
+          <a:bodyPr rtlCol="0" anchor="ctr"/>
+          <a:lstStyle/>
+          <a:p>
+            <a:pPr algn="ctr"/>
+            <a:r>
+              <a:rPr lang="en-US" b="1" dirty="0">
+                <a:solidFill>
+                  <a:schemeClr val="accent6">
+                    <a:lumMod val="50000"/>
+                  </a:schemeClr>
+                </a:solidFill>
+              </a:rPr>
+              <a:t>PCA</a:t>
+            </a:r>
+          </a:p>
+        </p:txBody>
+      </p:sp>
+      <p:cxnSp>
+        <p:nvCxnSpPr>
+          <p:cNvPr id="68" name="Straight Arrow Connector 67">
+            <a:extLst>
+              <a:ext uri="{FF2B5EF4-FFF2-40B4-BE49-F238E27FC236}">
+                <a16:creationId xmlns:a16="http://schemas.microsoft.com/office/drawing/2014/main" id="{5F986E75-BF98-E540-A0BC-849CB53481E3}"/>
+              </a:ext>
+            </a:extLst>
+          </p:cNvPr>
+          <p:cNvCxnSpPr>
+            <a:stCxn id="13" idx="2"/>
+            <a:endCxn id="59" idx="0"/>
+          </p:cNvCxnSpPr>
+          <p:nvPr/>
+        </p:nvCxnSpPr>
+        <p:spPr>
+          <a:xfrm flipH="1">
+            <a:off x="827518" y="3798332"/>
+            <a:ext cx="1042858" cy="1051464"/>
+          </a:xfrm>
+          <a:prstGeom prst="straightConnector1">
+            <a:avLst/>
+          </a:prstGeom>
+          <a:ln w="38100">
+            <a:solidFill>
+              <a:schemeClr val="tx1"/>
+            </a:solidFill>
+            <a:tailEnd type="triangle"/>
+          </a:ln>
+        </p:spPr>
+        <p:style>
+          <a:lnRef idx="1">
+            <a:schemeClr val="accent1"/>
+          </a:lnRef>
+          <a:fillRef idx="0">
+            <a:schemeClr val="accent1"/>
+          </a:fillRef>
+          <a:effectRef idx="0">
+            <a:schemeClr val="accent1"/>
+          </a:effectRef>
+          <a:fontRef idx="minor">
+            <a:schemeClr val="tx1"/>
+          </a:fontRef>
+        </p:style>
+      </p:cxnSp>
+      <p:cxnSp>
+        <p:nvCxnSpPr>
+          <p:cNvPr id="71" name="Straight Arrow Connector 70">
+            <a:extLst>
+              <a:ext uri="{FF2B5EF4-FFF2-40B4-BE49-F238E27FC236}">
+                <a16:creationId xmlns:a16="http://schemas.microsoft.com/office/drawing/2014/main" id="{6BD223BB-2486-4247-B406-0880EC47A3D9}"/>
+              </a:ext>
+            </a:extLst>
+          </p:cNvPr>
+          <p:cNvCxnSpPr>
+            <a:stCxn id="13" idx="2"/>
+            <a:endCxn id="60" idx="0"/>
+          </p:cNvCxnSpPr>
+          <p:nvPr/>
+        </p:nvCxnSpPr>
+        <p:spPr>
+          <a:xfrm flipH="1">
+            <a:off x="1523423" y="3798332"/>
+            <a:ext cx="346953" cy="2025473"/>
+          </a:xfrm>
+          <a:prstGeom prst="straightConnector1">
+            <a:avLst/>
+          </a:prstGeom>
+          <a:ln w="38100">
+            <a:solidFill>
+              <a:schemeClr val="tx1"/>
+            </a:solidFill>
+            <a:tailEnd type="triangle"/>
+          </a:ln>
+        </p:spPr>
+        <p:style>
+          <a:lnRef idx="1">
+            <a:schemeClr val="accent1"/>
+          </a:lnRef>
+          <a:fillRef idx="0">
+            <a:schemeClr val="accent1"/>
+          </a:fillRef>
+          <a:effectRef idx="0">
+            <a:schemeClr val="accent1"/>
+          </a:effectRef>
+          <a:fontRef idx="minor">
+            <a:schemeClr val="tx1"/>
+          </a:fontRef>
+        </p:style>
+      </p:cxnSp>
+      <p:cxnSp>
+        <p:nvCxnSpPr>
+          <p:cNvPr id="77" name="Straight Arrow Connector 76">
+            <a:extLst>
+              <a:ext uri="{FF2B5EF4-FFF2-40B4-BE49-F238E27FC236}">
+                <a16:creationId xmlns:a16="http://schemas.microsoft.com/office/drawing/2014/main" id="{E85198A7-8060-EB44-9561-DF83F369E4B5}"/>
+              </a:ext>
+            </a:extLst>
+          </p:cNvPr>
+          <p:cNvCxnSpPr>
+            <a:stCxn id="12" idx="2"/>
+            <a:endCxn id="56" idx="0"/>
+          </p:cNvCxnSpPr>
+          <p:nvPr/>
+        </p:nvCxnSpPr>
+        <p:spPr>
+          <a:xfrm flipH="1">
+            <a:off x="3575417" y="3798332"/>
+            <a:ext cx="1226729" cy="1457044"/>
+          </a:xfrm>
+          <a:prstGeom prst="straightConnector1">
+            <a:avLst/>
+          </a:prstGeom>
+          <a:ln w="38100">
+            <a:solidFill>
+              <a:schemeClr val="tx1"/>
+            </a:solidFill>
+            <a:tailEnd type="triangle"/>
+          </a:ln>
+        </p:spPr>
+        <p:style>
+          <a:lnRef idx="1">
+            <a:schemeClr val="accent1"/>
+          </a:lnRef>
+          <a:fillRef idx="0">
+            <a:schemeClr val="accent1"/>
+          </a:fillRef>
+          <a:effectRef idx="0">
+            <a:schemeClr val="accent1"/>
+          </a:effectRef>
+          <a:fontRef idx="minor">
+            <a:schemeClr val="tx1"/>
+          </a:fontRef>
+        </p:style>
+      </p:cxnSp>
+      <p:cxnSp>
+        <p:nvCxnSpPr>
+          <p:cNvPr id="81" name="Straight Arrow Connector 80">
+            <a:extLst>
+              <a:ext uri="{FF2B5EF4-FFF2-40B4-BE49-F238E27FC236}">
+                <a16:creationId xmlns:a16="http://schemas.microsoft.com/office/drawing/2014/main" id="{A51BCBEA-89F2-0E43-A436-5E42388A91D9}"/>
+              </a:ext>
+            </a:extLst>
+          </p:cNvPr>
+          <p:cNvCxnSpPr>
+            <a:stCxn id="12" idx="2"/>
+            <a:endCxn id="57" idx="0"/>
+          </p:cNvCxnSpPr>
+          <p:nvPr/>
+        </p:nvCxnSpPr>
+        <p:spPr>
+          <a:xfrm>
+            <a:off x="4802146" y="3798332"/>
+            <a:ext cx="99369" cy="1465861"/>
+          </a:xfrm>
+          <a:prstGeom prst="straightConnector1">
+            <a:avLst/>
+          </a:prstGeom>
+          <a:ln w="38100">
+            <a:solidFill>
+              <a:schemeClr val="tx1"/>
+            </a:solidFill>
+            <a:tailEnd type="triangle"/>
+          </a:ln>
+        </p:spPr>
+        <p:style>
+          <a:lnRef idx="1">
+            <a:schemeClr val="accent1"/>
+          </a:lnRef>
+          <a:fillRef idx="0">
+            <a:schemeClr val="accent1"/>
+          </a:fillRef>
+          <a:effectRef idx="0">
+            <a:schemeClr val="accent1"/>
+          </a:effectRef>
+          <a:fontRef idx="minor">
+            <a:schemeClr val="tx1"/>
+          </a:fontRef>
+        </p:style>
+      </p:cxnSp>
+      <p:cxnSp>
+        <p:nvCxnSpPr>
+          <p:cNvPr id="83" name="Straight Arrow Connector 82">
+            <a:extLst>
+              <a:ext uri="{FF2B5EF4-FFF2-40B4-BE49-F238E27FC236}">
+                <a16:creationId xmlns:a16="http://schemas.microsoft.com/office/drawing/2014/main" id="{C85FD1C0-C39A-0D4C-9188-8D448E8A9CA2}"/>
+              </a:ext>
+            </a:extLst>
+          </p:cNvPr>
+          <p:cNvCxnSpPr>
+            <a:stCxn id="12" idx="2"/>
+            <a:endCxn id="52" idx="0"/>
+          </p:cNvCxnSpPr>
+          <p:nvPr/>
+        </p:nvCxnSpPr>
+        <p:spPr>
+          <a:xfrm>
+            <a:off x="4802146" y="3798332"/>
+            <a:ext cx="1324849" cy="1051464"/>
+          </a:xfrm>
+          <a:prstGeom prst="straightConnector1">
+            <a:avLst/>
+          </a:prstGeom>
+          <a:ln w="38100">
+            <a:solidFill>
+              <a:schemeClr val="tx1"/>
+            </a:solidFill>
+            <a:tailEnd type="triangle"/>
+          </a:ln>
+        </p:spPr>
+        <p:style>
+          <a:lnRef idx="1">
+            <a:schemeClr val="accent1"/>
+          </a:lnRef>
+          <a:fillRef idx="0">
+            <a:schemeClr val="accent1"/>
+          </a:fillRef>
+          <a:effectRef idx="0">
+            <a:schemeClr val="accent1"/>
+          </a:effectRef>
+          <a:fontRef idx="minor">
+            <a:schemeClr val="tx1"/>
+          </a:fontRef>
+        </p:style>
+      </p:cxnSp>
+      <p:cxnSp>
+        <p:nvCxnSpPr>
+          <p:cNvPr id="87" name="Straight Arrow Connector 86">
+            <a:extLst>
+              <a:ext uri="{FF2B5EF4-FFF2-40B4-BE49-F238E27FC236}">
+                <a16:creationId xmlns:a16="http://schemas.microsoft.com/office/drawing/2014/main" id="{89A9472A-9B2C-DD45-BD18-3EC087B334DE}"/>
+              </a:ext>
+            </a:extLst>
+          </p:cNvPr>
+          <p:cNvCxnSpPr>
+            <a:stCxn id="29" idx="2"/>
+            <a:endCxn id="62" idx="0"/>
+          </p:cNvCxnSpPr>
+          <p:nvPr/>
+        </p:nvCxnSpPr>
+        <p:spPr>
+          <a:xfrm>
+            <a:off x="7143172" y="3936831"/>
+            <a:ext cx="1712530" cy="765301"/>
+          </a:xfrm>
+          <a:prstGeom prst="straightConnector1">
+            <a:avLst/>
+          </a:prstGeom>
+          <a:ln w="38100">
+            <a:solidFill>
+              <a:schemeClr val="tx1"/>
+            </a:solidFill>
+            <a:tailEnd type="triangle"/>
+          </a:ln>
+        </p:spPr>
+        <p:style>
+          <a:lnRef idx="1">
+            <a:schemeClr val="accent1"/>
+          </a:lnRef>
+          <a:fillRef idx="0">
+            <a:schemeClr val="accent1"/>
+          </a:fillRef>
+          <a:effectRef idx="0">
+            <a:schemeClr val="accent1"/>
+          </a:effectRef>
+          <a:fontRef idx="minor">
+            <a:schemeClr val="tx1"/>
+          </a:fontRef>
+        </p:style>
+      </p:cxnSp>
+      <p:cxnSp>
+        <p:nvCxnSpPr>
+          <p:cNvPr id="93" name="Straight Arrow Connector 92">
+            <a:extLst>
+              <a:ext uri="{FF2B5EF4-FFF2-40B4-BE49-F238E27FC236}">
+                <a16:creationId xmlns:a16="http://schemas.microsoft.com/office/drawing/2014/main" id="{5F86E242-A16E-5041-AE9E-3B1A4AEF5CC3}"/>
+              </a:ext>
+            </a:extLst>
+          </p:cNvPr>
+          <p:cNvCxnSpPr>
+            <a:stCxn id="28" idx="2"/>
+            <a:endCxn id="66" idx="0"/>
+          </p:cNvCxnSpPr>
+          <p:nvPr/>
+        </p:nvCxnSpPr>
+        <p:spPr>
+          <a:xfrm flipH="1">
+            <a:off x="10576550" y="3936831"/>
+            <a:ext cx="1" cy="985309"/>
+          </a:xfrm>
+          <a:prstGeom prst="straightConnector1">
+            <a:avLst/>
+          </a:prstGeom>
+          <a:ln w="38100">
+            <a:solidFill>
+              <a:schemeClr val="tx1"/>
+            </a:solidFill>
+            <a:tailEnd type="triangle"/>
+          </a:ln>
+        </p:spPr>
+        <p:style>
+          <a:lnRef idx="1">
+            <a:schemeClr val="accent1"/>
+          </a:lnRef>
+          <a:fillRef idx="0">
+            <a:schemeClr val="accent1"/>
+          </a:fillRef>
+          <a:effectRef idx="0">
+            <a:schemeClr val="accent1"/>
+          </a:effectRef>
+          <a:fontRef idx="minor">
+            <a:schemeClr val="tx1"/>
+          </a:fontRef>
+        </p:style>
+      </p:cxnSp>
+      <p:sp>
+        <p:nvSpPr>
+          <p:cNvPr id="51" name="Rounded Rectangle 50">
+            <a:extLst>
+              <a:ext uri="{FF2B5EF4-FFF2-40B4-BE49-F238E27FC236}">
+                <a16:creationId xmlns:a16="http://schemas.microsoft.com/office/drawing/2014/main" id="{3197321E-6F7D-DF41-A6B6-5D56EA22F306}"/>
+              </a:ext>
+            </a:extLst>
+          </p:cNvPr>
+          <p:cNvSpPr/>
+          <p:nvPr/>
+        </p:nvSpPr>
+        <p:spPr>
+          <a:xfrm>
+            <a:off x="2166817" y="5890269"/>
+            <a:ext cx="1325773" cy="756389"/>
+          </a:xfrm>
+          <a:prstGeom prst="roundRect">
+            <a:avLst/>
+          </a:prstGeom>
+          <a:noFill/>
+          <a:ln w="38100">
+            <a:solidFill>
+              <a:schemeClr val="accent6">
+                <a:lumMod val="75000"/>
+              </a:schemeClr>
+            </a:solidFill>
+          </a:ln>
+        </p:spPr>
+        <p:style>
+          <a:lnRef idx="2">
+            <a:schemeClr val="accent1">
+              <a:shade val="50000"/>
+            </a:schemeClr>
+          </a:lnRef>
+          <a:fillRef idx="1">
+            <a:schemeClr val="accent1"/>
+          </a:fillRef>
+          <a:effectRef idx="0">
+            <a:schemeClr val="accent1"/>
+          </a:effectRef>
+          <a:fontRef idx="minor">
+            <a:schemeClr val="lt1"/>
+          </a:fontRef>
+        </p:style>
+        <p:txBody>
+          <a:bodyPr rtlCol="0" anchor="ctr"/>
+          <a:lstStyle/>
+          <a:p>
+            <a:pPr algn="ctr"/>
+            <a:r>
+              <a:rPr lang="en-US" b="1" dirty="0">
+                <a:solidFill>
+                  <a:schemeClr val="accent6">
+                    <a:lumMod val="50000"/>
+                  </a:schemeClr>
+                </a:solidFill>
+              </a:rPr>
+              <a:t>Ridge Regression</a:t>
+            </a:r>
+          </a:p>
+        </p:txBody>
+      </p:sp>
+      <p:cxnSp>
+        <p:nvCxnSpPr>
+          <p:cNvPr id="53" name="Straight Arrow Connector 52">
+            <a:extLst>
+              <a:ext uri="{FF2B5EF4-FFF2-40B4-BE49-F238E27FC236}">
+                <a16:creationId xmlns:a16="http://schemas.microsoft.com/office/drawing/2014/main" id="{CF8002D1-7246-6242-87BC-D0D9E90017CC}"/>
+              </a:ext>
+            </a:extLst>
+          </p:cNvPr>
+          <p:cNvCxnSpPr>
+            <a:cxnSpLocks/>
+            <a:stCxn id="13" idx="2"/>
+            <a:endCxn id="51" idx="0"/>
+          </p:cNvCxnSpPr>
+          <p:nvPr/>
+        </p:nvCxnSpPr>
+        <p:spPr>
+          <a:xfrm>
+            <a:off x="1870376" y="3798332"/>
+            <a:ext cx="959328" cy="2091937"/>
+          </a:xfrm>
+          <a:prstGeom prst="straightConnector1">
+            <a:avLst/>
+          </a:prstGeom>
+          <a:ln w="38100">
+            <a:solidFill>
+              <a:schemeClr val="tx1"/>
+            </a:solidFill>
+            <a:tailEnd type="triangle"/>
+          </a:ln>
+        </p:spPr>
+        <p:style>
+          <a:lnRef idx="1">
+            <a:schemeClr val="accent1"/>
+          </a:lnRef>
+          <a:fillRef idx="0">
+            <a:schemeClr val="accent1"/>
+          </a:fillRef>
+          <a:effectRef idx="0">
+            <a:schemeClr val="accent1"/>
+          </a:effectRef>
+          <a:fontRef idx="minor">
+            <a:schemeClr val="tx1"/>
+          </a:fontRef>
+        </p:style>
+      </p:cxnSp>
+    </p:spTree>
+    <p:extLst>
+      <p:ext uri="{BB962C8B-B14F-4D97-AF65-F5344CB8AC3E}">
+        <p14:creationId xmlns:p14="http://schemas.microsoft.com/office/powerpoint/2010/main" val="585737008"/>
       </p:ext>
     </p:extLst>
   </p:cSld>
